--- a/students/K3239/Rozhnovskii_Yura/LR_1/Презентация для защиты.pptx
+++ b/students/K3239/Rozhnovskii_Yura/LR_1/Презентация для защиты.pptx
@@ -4,6 +4,9 @@
   <p:sldMasterIdLst>
     <p:sldMasterId id="2147483678" r:id="rId1"/>
   </p:sldMasterIdLst>
+  <p:notesMasterIdLst>
+    <p:notesMasterId r:id="rId16"/>
+  </p:notesMasterIdLst>
   <p:sldIdLst>
     <p:sldId id="256" r:id="rId2"/>
     <p:sldId id="257" r:id="rId3"/>
@@ -117,7 +120,362 @@
       </a:defRPr>
     </a:lvl9pPr>
   </p:defaultTextStyle>
+  <p:extLst>
+    <p:ext uri="{EFAFB233-063F-42B5-8137-9DF3F51BA10A}">
+      <p15:sldGuideLst xmlns:p15="http://schemas.microsoft.com/office/powerpoint/2012/main"/>
+    </p:ext>
+  </p:extLst>
 </p:presentation>
+</file>
+
+<file path=ppt/notesMasters/notesMaster1.xml><?xml version="1.0" encoding="utf-8"?>
+<p:notesMaster xmlns:a="http://schemas.openxmlformats.org/drawingml/2006/main" xmlns:r="http://schemas.openxmlformats.org/officeDocument/2006/relationships" xmlns:p="http://schemas.openxmlformats.org/presentationml/2006/main">
+  <p:cSld>
+    <p:bg>
+      <p:bgRef idx="1001">
+        <a:schemeClr val="bg1"/>
+      </p:bgRef>
+    </p:bg>
+    <p:spTree>
+      <p:nvGrpSpPr>
+        <p:cNvPr id="1" name=""/>
+        <p:cNvGrpSpPr/>
+        <p:nvPr/>
+      </p:nvGrpSpPr>
+      <p:grpSpPr>
+        <a:xfrm>
+          <a:off x="0" y="0"/>
+          <a:ext cx="0" cy="0"/>
+          <a:chOff x="0" y="0"/>
+          <a:chExt cx="0" cy="0"/>
+        </a:xfrm>
+      </p:grpSpPr>
+      <p:sp>
+        <p:nvSpPr>
+          <p:cNvPr id="2" name="Верхний колонтитул 1"/>
+          <p:cNvSpPr>
+            <a:spLocks noGrp="1"/>
+          </p:cNvSpPr>
+          <p:nvPr>
+            <p:ph type="hdr" sz="quarter"/>
+          </p:nvPr>
+        </p:nvSpPr>
+        <p:spPr>
+          <a:xfrm>
+            <a:off x="0" y="0"/>
+            <a:ext cx="2971800" cy="458788"/>
+          </a:xfrm>
+          <a:prstGeom prst="rect">
+            <a:avLst/>
+          </a:prstGeom>
+        </p:spPr>
+        <p:txBody>
+          <a:bodyPr vert="horz" lIns="91440" tIns="45720" rIns="91440" bIns="45720" rtlCol="0"/>
+          <a:lstStyle>
+            <a:lvl1pPr algn="l">
+              <a:defRPr sz="1200"/>
+            </a:lvl1pPr>
+          </a:lstStyle>
+          <a:p>
+            <a:endParaRPr lang="ru-RU"/>
+          </a:p>
+        </p:txBody>
+      </p:sp>
+      <p:sp>
+        <p:nvSpPr>
+          <p:cNvPr id="3" name="Дата 2"/>
+          <p:cNvSpPr>
+            <a:spLocks noGrp="1"/>
+          </p:cNvSpPr>
+          <p:nvPr>
+            <p:ph type="dt" idx="1"/>
+          </p:nvPr>
+        </p:nvSpPr>
+        <p:spPr>
+          <a:xfrm>
+            <a:off x="3884613" y="0"/>
+            <a:ext cx="2971800" cy="458788"/>
+          </a:xfrm>
+          <a:prstGeom prst="rect">
+            <a:avLst/>
+          </a:prstGeom>
+        </p:spPr>
+        <p:txBody>
+          <a:bodyPr vert="horz" lIns="91440" tIns="45720" rIns="91440" bIns="45720" rtlCol="0"/>
+          <a:lstStyle>
+            <a:lvl1pPr algn="r">
+              <a:defRPr sz="1200"/>
+            </a:lvl1pPr>
+          </a:lstStyle>
+          <a:p>
+            <a:fld id="{DFB98705-4745-49D2-9B85-C864FD93B70C}" type="datetimeFigureOut">
+              <a:rPr lang="ru-RU" smtClean="0"/>
+              <a:t>10.10.2025</a:t>
+            </a:fld>
+            <a:endParaRPr lang="ru-RU"/>
+          </a:p>
+        </p:txBody>
+      </p:sp>
+      <p:sp>
+        <p:nvSpPr>
+          <p:cNvPr id="4" name="Образ слайда 3"/>
+          <p:cNvSpPr>
+            <a:spLocks noGrp="1" noRot="1" noChangeAspect="1"/>
+          </p:cNvSpPr>
+          <p:nvPr>
+            <p:ph type="sldImg" idx="2"/>
+          </p:nvPr>
+        </p:nvSpPr>
+        <p:spPr>
+          <a:xfrm>
+            <a:off x="685800" y="1143000"/>
+            <a:ext cx="5486400" cy="3086100"/>
+          </a:xfrm>
+          <a:prstGeom prst="rect">
+            <a:avLst/>
+          </a:prstGeom>
+          <a:noFill/>
+          <a:ln w="12700">
+            <a:solidFill>
+              <a:prstClr val="black"/>
+            </a:solidFill>
+          </a:ln>
+        </p:spPr>
+        <p:txBody>
+          <a:bodyPr vert="horz" lIns="91440" tIns="45720" rIns="91440" bIns="45720" rtlCol="0" anchor="ctr"/>
+          <a:lstStyle/>
+          <a:p>
+            <a:endParaRPr lang="ru-RU"/>
+          </a:p>
+        </p:txBody>
+      </p:sp>
+      <p:sp>
+        <p:nvSpPr>
+          <p:cNvPr id="5" name="Заметки 4"/>
+          <p:cNvSpPr>
+            <a:spLocks noGrp="1"/>
+          </p:cNvSpPr>
+          <p:nvPr>
+            <p:ph type="body" sz="quarter" idx="3"/>
+          </p:nvPr>
+        </p:nvSpPr>
+        <p:spPr>
+          <a:xfrm>
+            <a:off x="685800" y="4400550"/>
+            <a:ext cx="5486400" cy="3600450"/>
+          </a:xfrm>
+          <a:prstGeom prst="rect">
+            <a:avLst/>
+          </a:prstGeom>
+        </p:spPr>
+        <p:txBody>
+          <a:bodyPr vert="horz" lIns="91440" tIns="45720" rIns="91440" bIns="45720" rtlCol="0"/>
+          <a:lstStyle/>
+          <a:p>
+            <a:pPr lvl="0"/>
+            <a:r>
+              <a:rPr lang="ru-RU" smtClean="0"/>
+              <a:t>Образец текста</a:t>
+            </a:r>
+          </a:p>
+          <a:p>
+            <a:pPr lvl="1"/>
+            <a:r>
+              <a:rPr lang="ru-RU" smtClean="0"/>
+              <a:t>Второй уровень</a:t>
+            </a:r>
+          </a:p>
+          <a:p>
+            <a:pPr lvl="2"/>
+            <a:r>
+              <a:rPr lang="ru-RU" smtClean="0"/>
+              <a:t>Третий уровень</a:t>
+            </a:r>
+          </a:p>
+          <a:p>
+            <a:pPr lvl="3"/>
+            <a:r>
+              <a:rPr lang="ru-RU" smtClean="0"/>
+              <a:t>Четвертый уровень</a:t>
+            </a:r>
+          </a:p>
+          <a:p>
+            <a:pPr lvl="4"/>
+            <a:r>
+              <a:rPr lang="ru-RU" smtClean="0"/>
+              <a:t>Пятый уровень</a:t>
+            </a:r>
+            <a:endParaRPr lang="ru-RU"/>
+          </a:p>
+        </p:txBody>
+      </p:sp>
+      <p:sp>
+        <p:nvSpPr>
+          <p:cNvPr id="6" name="Нижний колонтитул 5"/>
+          <p:cNvSpPr>
+            <a:spLocks noGrp="1"/>
+          </p:cNvSpPr>
+          <p:nvPr>
+            <p:ph type="ftr" sz="quarter" idx="4"/>
+          </p:nvPr>
+        </p:nvSpPr>
+        <p:spPr>
+          <a:xfrm>
+            <a:off x="0" y="8685213"/>
+            <a:ext cx="2971800" cy="458787"/>
+          </a:xfrm>
+          <a:prstGeom prst="rect">
+            <a:avLst/>
+          </a:prstGeom>
+        </p:spPr>
+        <p:txBody>
+          <a:bodyPr vert="horz" lIns="91440" tIns="45720" rIns="91440" bIns="45720" rtlCol="0" anchor="b"/>
+          <a:lstStyle>
+            <a:lvl1pPr algn="l">
+              <a:defRPr sz="1200"/>
+            </a:lvl1pPr>
+          </a:lstStyle>
+          <a:p>
+            <a:endParaRPr lang="ru-RU"/>
+          </a:p>
+        </p:txBody>
+      </p:sp>
+      <p:sp>
+        <p:nvSpPr>
+          <p:cNvPr id="7" name="Номер слайда 6"/>
+          <p:cNvSpPr>
+            <a:spLocks noGrp="1"/>
+          </p:cNvSpPr>
+          <p:nvPr>
+            <p:ph type="sldNum" sz="quarter" idx="5"/>
+          </p:nvPr>
+        </p:nvSpPr>
+        <p:spPr>
+          <a:xfrm>
+            <a:off x="3884613" y="8685213"/>
+            <a:ext cx="2971800" cy="458787"/>
+          </a:xfrm>
+          <a:prstGeom prst="rect">
+            <a:avLst/>
+          </a:prstGeom>
+        </p:spPr>
+        <p:txBody>
+          <a:bodyPr vert="horz" lIns="91440" tIns="45720" rIns="91440" bIns="45720" rtlCol="0" anchor="b"/>
+          <a:lstStyle>
+            <a:lvl1pPr algn="r">
+              <a:defRPr sz="1200"/>
+            </a:lvl1pPr>
+          </a:lstStyle>
+          <a:p>
+            <a:fld id="{6B279B6D-0530-478A-99DB-1E7F5C788D7C}" type="slidenum">
+              <a:rPr lang="ru-RU" smtClean="0"/>
+              <a:t>‹#›</a:t>
+            </a:fld>
+            <a:endParaRPr lang="ru-RU"/>
+          </a:p>
+        </p:txBody>
+      </p:sp>
+    </p:spTree>
+    <p:extLst>
+      <p:ext uri="{BB962C8B-B14F-4D97-AF65-F5344CB8AC3E}">
+        <p14:creationId xmlns:p14="http://schemas.microsoft.com/office/powerpoint/2010/main" val="1042705621"/>
+      </p:ext>
+    </p:extLst>
+  </p:cSld>
+  <p:clrMap bg1="lt1" tx1="dk1" bg2="lt2" tx2="dk2" accent1="accent1" accent2="accent2" accent3="accent3" accent4="accent4" accent5="accent5" accent6="accent6" hlink="hlink" folHlink="folHlink"/>
+  <p:notesStyle>
+    <a:lvl1pPr marL="0" algn="l" defTabSz="914400" rtl="0" eaLnBrk="1" latinLnBrk="0" hangingPunct="1">
+      <a:defRPr sz="1200" kern="1200">
+        <a:solidFill>
+          <a:schemeClr val="tx1"/>
+        </a:solidFill>
+        <a:latin typeface="+mn-lt"/>
+        <a:ea typeface="+mn-ea"/>
+        <a:cs typeface="+mn-cs"/>
+      </a:defRPr>
+    </a:lvl1pPr>
+    <a:lvl2pPr marL="457200" algn="l" defTabSz="914400" rtl="0" eaLnBrk="1" latinLnBrk="0" hangingPunct="1">
+      <a:defRPr sz="1200" kern="1200">
+        <a:solidFill>
+          <a:schemeClr val="tx1"/>
+        </a:solidFill>
+        <a:latin typeface="+mn-lt"/>
+        <a:ea typeface="+mn-ea"/>
+        <a:cs typeface="+mn-cs"/>
+      </a:defRPr>
+    </a:lvl2pPr>
+    <a:lvl3pPr marL="914400" algn="l" defTabSz="914400" rtl="0" eaLnBrk="1" latinLnBrk="0" hangingPunct="1">
+      <a:defRPr sz="1200" kern="1200">
+        <a:solidFill>
+          <a:schemeClr val="tx1"/>
+        </a:solidFill>
+        <a:latin typeface="+mn-lt"/>
+        <a:ea typeface="+mn-ea"/>
+        <a:cs typeface="+mn-cs"/>
+      </a:defRPr>
+    </a:lvl3pPr>
+    <a:lvl4pPr marL="1371600" algn="l" defTabSz="914400" rtl="0" eaLnBrk="1" latinLnBrk="0" hangingPunct="1">
+      <a:defRPr sz="1200" kern="1200">
+        <a:solidFill>
+          <a:schemeClr val="tx1"/>
+        </a:solidFill>
+        <a:latin typeface="+mn-lt"/>
+        <a:ea typeface="+mn-ea"/>
+        <a:cs typeface="+mn-cs"/>
+      </a:defRPr>
+    </a:lvl4pPr>
+    <a:lvl5pPr marL="1828800" algn="l" defTabSz="914400" rtl="0" eaLnBrk="1" latinLnBrk="0" hangingPunct="1">
+      <a:defRPr sz="1200" kern="1200">
+        <a:solidFill>
+          <a:schemeClr val="tx1"/>
+        </a:solidFill>
+        <a:latin typeface="+mn-lt"/>
+        <a:ea typeface="+mn-ea"/>
+        <a:cs typeface="+mn-cs"/>
+      </a:defRPr>
+    </a:lvl5pPr>
+    <a:lvl6pPr marL="2286000" algn="l" defTabSz="914400" rtl="0" eaLnBrk="1" latinLnBrk="0" hangingPunct="1">
+      <a:defRPr sz="1200" kern="1200">
+        <a:solidFill>
+          <a:schemeClr val="tx1"/>
+        </a:solidFill>
+        <a:latin typeface="+mn-lt"/>
+        <a:ea typeface="+mn-ea"/>
+        <a:cs typeface="+mn-cs"/>
+      </a:defRPr>
+    </a:lvl6pPr>
+    <a:lvl7pPr marL="2743200" algn="l" defTabSz="914400" rtl="0" eaLnBrk="1" latinLnBrk="0" hangingPunct="1">
+      <a:defRPr sz="1200" kern="1200">
+        <a:solidFill>
+          <a:schemeClr val="tx1"/>
+        </a:solidFill>
+        <a:latin typeface="+mn-lt"/>
+        <a:ea typeface="+mn-ea"/>
+        <a:cs typeface="+mn-cs"/>
+      </a:defRPr>
+    </a:lvl7pPr>
+    <a:lvl8pPr marL="3200400" algn="l" defTabSz="914400" rtl="0" eaLnBrk="1" latinLnBrk="0" hangingPunct="1">
+      <a:defRPr sz="1200" kern="1200">
+        <a:solidFill>
+          <a:schemeClr val="tx1"/>
+        </a:solidFill>
+        <a:latin typeface="+mn-lt"/>
+        <a:ea typeface="+mn-ea"/>
+        <a:cs typeface="+mn-cs"/>
+      </a:defRPr>
+    </a:lvl8pPr>
+    <a:lvl9pPr marL="3657600" algn="l" defTabSz="914400" rtl="0" eaLnBrk="1" latinLnBrk="0" hangingPunct="1">
+      <a:defRPr sz="1200" kern="1200">
+        <a:solidFill>
+          <a:schemeClr val="tx1"/>
+        </a:solidFill>
+        <a:latin typeface="+mn-lt"/>
+        <a:ea typeface="+mn-ea"/>
+        <a:cs typeface="+mn-cs"/>
+      </a:defRPr>
+    </a:lvl9pPr>
+  </p:notesStyle>
+</p:notesMaster>
 </file>
 
 <file path=ppt/slideLayouts/slideLayout1.xml><?xml version="1.0" encoding="utf-8"?>
@@ -304,9 +662,9 @@
           <a:bodyPr/>
           <a:lstStyle/>
           <a:p>
-            <a:fld id="{446B6616-00CC-4382-B1F7-0128D56777FA}" type="datetimeFigureOut">
-              <a:rPr lang="ru-RU" smtClean="0"/>
-              <a:t>09.10.2025</a:t>
+            <a:fld id="{7CDB9ED7-6FB7-4C86-B3C8-083D0F864325}" type="datetime1">
+              <a:rPr lang="ru-RU" smtClean="0"/>
+              <a:t>10.10.2025</a:t>
             </a:fld>
             <a:endParaRPr lang="ru-RU"/>
           </a:p>
@@ -579,9 +937,9 @@
           <a:bodyPr/>
           <a:lstStyle/>
           <a:p>
-            <a:fld id="{446B6616-00CC-4382-B1F7-0128D56777FA}" type="datetimeFigureOut">
-              <a:rPr lang="ru-RU" smtClean="0"/>
-              <a:t>09.10.2025</a:t>
+            <a:fld id="{B1B67D4A-8F9C-449F-8F30-AA4B1727D402}" type="datetime1">
+              <a:rPr lang="ru-RU" smtClean="0"/>
+              <a:t>10.10.2025</a:t>
             </a:fld>
             <a:endParaRPr lang="ru-RU"/>
           </a:p>
@@ -773,9 +1131,9 @@
           <a:bodyPr/>
           <a:lstStyle/>
           <a:p>
-            <a:fld id="{446B6616-00CC-4382-B1F7-0128D56777FA}" type="datetimeFigureOut">
-              <a:rPr lang="ru-RU" smtClean="0"/>
-              <a:t>09.10.2025</a:t>
+            <a:fld id="{4F79DEA3-8D6B-463E-AFDF-23ECE9BBF593}" type="datetime1">
+              <a:rPr lang="ru-RU" smtClean="0"/>
+              <a:t>10.10.2025</a:t>
             </a:fld>
             <a:endParaRPr lang="ru-RU"/>
           </a:p>
@@ -1046,9 +1404,9 @@
           <a:bodyPr/>
           <a:lstStyle/>
           <a:p>
-            <a:fld id="{446B6616-00CC-4382-B1F7-0128D56777FA}" type="datetimeFigureOut">
-              <a:rPr lang="ru-RU" smtClean="0"/>
-              <a:t>09.10.2025</a:t>
+            <a:fld id="{40C67ECB-86E2-4424-9D26-57582298B3A1}" type="datetime1">
+              <a:rPr lang="ru-RU" smtClean="0"/>
+              <a:t>10.10.2025</a:t>
             </a:fld>
             <a:endParaRPr lang="ru-RU"/>
           </a:p>
@@ -1387,9 +1745,9 @@
           <a:bodyPr/>
           <a:lstStyle/>
           <a:p>
-            <a:fld id="{446B6616-00CC-4382-B1F7-0128D56777FA}" type="datetimeFigureOut">
-              <a:rPr lang="ru-RU" smtClean="0"/>
-              <a:t>09.10.2025</a:t>
+            <a:fld id="{CC2EBBF1-C8A1-49DC-88D5-CFC0365FE681}" type="datetime1">
+              <a:rPr lang="ru-RU" smtClean="0"/>
+              <a:t>10.10.2025</a:t>
             </a:fld>
             <a:endParaRPr lang="ru-RU"/>
           </a:p>
@@ -2010,9 +2368,9 @@
           <a:bodyPr/>
           <a:lstStyle/>
           <a:p>
-            <a:fld id="{446B6616-00CC-4382-B1F7-0128D56777FA}" type="datetimeFigureOut">
-              <a:rPr lang="ru-RU" smtClean="0"/>
-              <a:t>09.10.2025</a:t>
+            <a:fld id="{A056BBAD-5A00-448E-8BF0-CD633252E454}" type="datetime1">
+              <a:rPr lang="ru-RU" smtClean="0"/>
+              <a:t>10.10.2025</a:t>
             </a:fld>
             <a:endParaRPr lang="ru-RU"/>
           </a:p>
@@ -2870,9 +3228,9 @@
           <a:bodyPr/>
           <a:lstStyle/>
           <a:p>
-            <a:fld id="{446B6616-00CC-4382-B1F7-0128D56777FA}" type="datetimeFigureOut">
-              <a:rPr lang="ru-RU" smtClean="0"/>
-              <a:t>09.10.2025</a:t>
+            <a:fld id="{6603D45F-1698-4C59-B34D-8E02774E7EF3}" type="datetime1">
+              <a:rPr lang="ru-RU" smtClean="0"/>
+              <a:t>10.10.2025</a:t>
             </a:fld>
             <a:endParaRPr lang="ru-RU"/>
           </a:p>
@@ -3040,9 +3398,9 @@
           <a:bodyPr/>
           <a:lstStyle/>
           <a:p>
-            <a:fld id="{446B6616-00CC-4382-B1F7-0128D56777FA}" type="datetimeFigureOut">
-              <a:rPr lang="ru-RU" smtClean="0"/>
-              <a:t>09.10.2025</a:t>
+            <a:fld id="{BC2CC367-EF91-431F-BAA2-9CABB0E1CF5C}" type="datetime1">
+              <a:rPr lang="ru-RU" smtClean="0"/>
+              <a:t>10.10.2025</a:t>
             </a:fld>
             <a:endParaRPr lang="ru-RU"/>
           </a:p>
@@ -3220,9 +3578,9 @@
           <a:bodyPr/>
           <a:lstStyle/>
           <a:p>
-            <a:fld id="{446B6616-00CC-4382-B1F7-0128D56777FA}" type="datetimeFigureOut">
-              <a:rPr lang="ru-RU" smtClean="0"/>
-              <a:t>09.10.2025</a:t>
+            <a:fld id="{CF1FD24D-F4E4-401C-BFC6-20AC65D1DB1E}" type="datetime1">
+              <a:rPr lang="ru-RU" smtClean="0"/>
+              <a:t>10.10.2025</a:t>
             </a:fld>
             <a:endParaRPr lang="ru-RU"/>
           </a:p>
@@ -3390,9 +3748,9 @@
           <a:bodyPr/>
           <a:lstStyle/>
           <a:p>
-            <a:fld id="{446B6616-00CC-4382-B1F7-0128D56777FA}" type="datetimeFigureOut">
-              <a:rPr lang="ru-RU" smtClean="0"/>
-              <a:t>09.10.2025</a:t>
+            <a:fld id="{A1AFAEB0-8044-45A0-AA60-A758DC5514E3}" type="datetime1">
+              <a:rPr lang="ru-RU" smtClean="0"/>
+              <a:t>10.10.2025</a:t>
             </a:fld>
             <a:endParaRPr lang="ru-RU"/>
           </a:p>
@@ -3637,9 +3995,9 @@
           <a:bodyPr/>
           <a:lstStyle/>
           <a:p>
-            <a:fld id="{446B6616-00CC-4382-B1F7-0128D56777FA}" type="datetimeFigureOut">
-              <a:rPr lang="ru-RU" smtClean="0"/>
-              <a:t>09.10.2025</a:t>
+            <a:fld id="{4752C006-E9E8-4B6D-A18B-9E5B8B78E0A5}" type="datetime1">
+              <a:rPr lang="ru-RU" smtClean="0"/>
+              <a:t>10.10.2025</a:t>
             </a:fld>
             <a:endParaRPr lang="ru-RU"/>
           </a:p>
@@ -3929,9 +4287,9 @@
           <a:bodyPr/>
           <a:lstStyle/>
           <a:p>
-            <a:fld id="{446B6616-00CC-4382-B1F7-0128D56777FA}" type="datetimeFigureOut">
-              <a:rPr lang="ru-RU" smtClean="0"/>
-              <a:t>09.10.2025</a:t>
+            <a:fld id="{7861032D-5B03-471E-929C-D701F9F0C2E8}" type="datetime1">
+              <a:rPr lang="ru-RU" smtClean="0"/>
+              <a:t>10.10.2025</a:t>
             </a:fld>
             <a:endParaRPr lang="ru-RU"/>
           </a:p>
@@ -4373,9 +4731,9 @@
           <a:bodyPr/>
           <a:lstStyle/>
           <a:p>
-            <a:fld id="{446B6616-00CC-4382-B1F7-0128D56777FA}" type="datetimeFigureOut">
-              <a:rPr lang="ru-RU" smtClean="0"/>
-              <a:t>09.10.2025</a:t>
+            <a:fld id="{B3FC8F42-8472-4D7D-AF82-A1FDF4EBB529}" type="datetime1">
+              <a:rPr lang="ru-RU" smtClean="0"/>
+              <a:t>10.10.2025</a:t>
             </a:fld>
             <a:endParaRPr lang="ru-RU"/>
           </a:p>
@@ -4491,9 +4849,9 @@
           <a:bodyPr/>
           <a:lstStyle/>
           <a:p>
-            <a:fld id="{446B6616-00CC-4382-B1F7-0128D56777FA}" type="datetimeFigureOut">
-              <a:rPr lang="ru-RU" smtClean="0"/>
-              <a:t>09.10.2025</a:t>
+            <a:fld id="{5F06A268-24F1-4EC0-943F-DD828B1B16C9}" type="datetime1">
+              <a:rPr lang="ru-RU" smtClean="0"/>
+              <a:t>10.10.2025</a:t>
             </a:fld>
             <a:endParaRPr lang="ru-RU"/>
           </a:p>
@@ -4586,9 +4944,9 @@
           <a:bodyPr/>
           <a:lstStyle/>
           <a:p>
-            <a:fld id="{446B6616-00CC-4382-B1F7-0128D56777FA}" type="datetimeFigureOut">
-              <a:rPr lang="ru-RU" smtClean="0"/>
-              <a:t>09.10.2025</a:t>
+            <a:fld id="{D2F3B8F1-98AD-43A0-B88F-EEBD0BCD3E65}" type="datetime1">
+              <a:rPr lang="ru-RU" smtClean="0"/>
+              <a:t>10.10.2025</a:t>
             </a:fld>
             <a:endParaRPr lang="ru-RU"/>
           </a:p>
@@ -4865,9 +5223,9 @@
           <a:bodyPr/>
           <a:lstStyle/>
           <a:p>
-            <a:fld id="{446B6616-00CC-4382-B1F7-0128D56777FA}" type="datetimeFigureOut">
-              <a:rPr lang="ru-RU" smtClean="0"/>
-              <a:t>09.10.2025</a:t>
+            <a:fld id="{0C7E6DB8-41F7-421A-85EA-9F41E10E300F}" type="datetime1">
+              <a:rPr lang="ru-RU" smtClean="0"/>
+              <a:t>10.10.2025</a:t>
             </a:fld>
             <a:endParaRPr lang="ru-RU"/>
           </a:p>
@@ -5140,9 +5498,9 @@
           <a:bodyPr/>
           <a:lstStyle/>
           <a:p>
-            <a:fld id="{446B6616-00CC-4382-B1F7-0128D56777FA}" type="datetimeFigureOut">
-              <a:rPr lang="ru-RU" smtClean="0"/>
-              <a:t>09.10.2025</a:t>
+            <a:fld id="{5B019A9A-892E-4F51-A19B-A010CF08609E}" type="datetime1">
+              <a:rPr lang="ru-RU" smtClean="0"/>
+              <a:t>10.10.2025</a:t>
             </a:fld>
             <a:endParaRPr lang="ru-RU"/>
           </a:p>
@@ -5569,9 +5927,9 @@
             </a:lvl1pPr>
           </a:lstStyle>
           <a:p>
-            <a:fld id="{446B6616-00CC-4382-B1F7-0128D56777FA}" type="datetimeFigureOut">
-              <a:rPr lang="ru-RU" smtClean="0"/>
-              <a:t>09.10.2025</a:t>
+            <a:fld id="{7FE6E046-67E3-4AB9-AEDE-5BF237B1D229}" type="datetime1">
+              <a:rPr lang="ru-RU" smtClean="0"/>
+              <a:t>10.10.2025</a:t>
             </a:fld>
             <a:endParaRPr lang="ru-RU"/>
           </a:p>
@@ -5683,6 +6041,7 @@
     <p:sldLayoutId id="2147483694" r:id="rId16"/>
     <p:sldLayoutId id="2147483695" r:id="rId17"/>
   </p:sldLayoutIdLst>
+  <p:hf hdr="0" ftr="0" dt="0"/>
   <p:txStyles>
     <p:titleStyle>
       <a:lvl1pPr algn="l" defTabSz="457200" rtl="0" eaLnBrk="1" latinLnBrk="0" hangingPunct="1">
@@ -6121,14 +6480,16 @@
           <a:p>
             <a:r>
               <a:rPr lang="ru-RU" sz="5400" dirty="0" smtClean="0">
-                <a:latin typeface="Times New Roman" panose="02020603050405020304" pitchFamily="18" charset="0"/>
-                <a:cs typeface="Times New Roman" panose="02020603050405020304" pitchFamily="18" charset="0"/>
+                <a:latin typeface="Calibri" panose="020F0502020204030204" pitchFamily="34" charset="0"/>
+                <a:ea typeface="Calibri" panose="020F0502020204030204" pitchFamily="34" charset="0"/>
+                <a:cs typeface="Calibri" panose="020F0502020204030204" pitchFamily="34" charset="0"/>
               </a:rPr>
               <a:t>Разработка модели взаимодействия АИС для агентства «Ньютон»</a:t>
             </a:r>
             <a:endParaRPr lang="ru-RU" sz="5400" dirty="0">
-              <a:latin typeface="Times New Roman" panose="02020603050405020304" pitchFamily="18" charset="0"/>
-              <a:cs typeface="Times New Roman" panose="02020603050405020304" pitchFamily="18" charset="0"/>
+              <a:latin typeface="Calibri" panose="020F0502020204030204" pitchFamily="34" charset="0"/>
+              <a:ea typeface="Calibri" panose="020F0502020204030204" pitchFamily="34" charset="0"/>
+              <a:cs typeface="Calibri" panose="020F0502020204030204" pitchFamily="34" charset="0"/>
             </a:endParaRPr>
           </a:p>
         </p:txBody>
@@ -6183,7 +6544,7 @@
         <p:spPr>
           <a:xfrm>
             <a:off x="7376747" y="5224730"/>
-            <a:ext cx="5099538" cy="1323439"/>
+            <a:ext cx="4677507" cy="1323439"/>
           </a:xfrm>
           <a:prstGeom prst="rect">
             <a:avLst/>
@@ -6198,8 +6559,9 @@
           <a:p>
             <a:r>
               <a:rPr lang="ru-RU" sz="2000" dirty="0" smtClean="0">
-                <a:latin typeface="Times New Roman" panose="02020603050405020304" pitchFamily="18" charset="0"/>
-                <a:cs typeface="Times New Roman" panose="02020603050405020304" pitchFamily="18" charset="0"/>
+                <a:latin typeface="Calibri" panose="020F0502020204030204" pitchFamily="34" charset="0"/>
+                <a:ea typeface="Calibri" panose="020F0502020204030204" pitchFamily="34" charset="0"/>
+                <a:cs typeface="Calibri" panose="020F0502020204030204" pitchFamily="34" charset="0"/>
               </a:rPr>
               <a:t>Выполнил:</a:t>
             </a:r>
@@ -6207,22 +6569,25 @@
           <a:p>
             <a:r>
               <a:rPr lang="ru-RU" sz="2000" dirty="0" smtClean="0">
-                <a:latin typeface="Times New Roman" panose="02020603050405020304" pitchFamily="18" charset="0"/>
-                <a:cs typeface="Times New Roman" panose="02020603050405020304" pitchFamily="18" charset="0"/>
+                <a:latin typeface="Calibri" panose="020F0502020204030204" pitchFamily="34" charset="0"/>
+                <a:ea typeface="Calibri" panose="020F0502020204030204" pitchFamily="34" charset="0"/>
+                <a:cs typeface="Calibri" panose="020F0502020204030204" pitchFamily="34" charset="0"/>
               </a:rPr>
               <a:t>Рожновский Юрий Михайлович</a:t>
             </a:r>
             <a:r>
               <a:rPr lang="en-US" sz="2000" dirty="0" smtClean="0">
-                <a:latin typeface="Times New Roman" panose="02020603050405020304" pitchFamily="18" charset="0"/>
-                <a:cs typeface="Times New Roman" panose="02020603050405020304" pitchFamily="18" charset="0"/>
+                <a:latin typeface="Calibri" panose="020F0502020204030204" pitchFamily="34" charset="0"/>
+                <a:ea typeface="Calibri" panose="020F0502020204030204" pitchFamily="34" charset="0"/>
+                <a:cs typeface="Calibri" panose="020F0502020204030204" pitchFamily="34" charset="0"/>
               </a:rPr>
               <a:t>, K</a:t>
             </a:r>
             <a:r>
               <a:rPr lang="ru-RU" sz="2000" dirty="0" smtClean="0">
-                <a:latin typeface="Times New Roman" panose="02020603050405020304" pitchFamily="18" charset="0"/>
-                <a:cs typeface="Times New Roman" panose="02020603050405020304" pitchFamily="18" charset="0"/>
+                <a:latin typeface="Calibri" panose="020F0502020204030204" pitchFamily="34" charset="0"/>
+                <a:ea typeface="Calibri" panose="020F0502020204030204" pitchFamily="34" charset="0"/>
+                <a:cs typeface="Calibri" panose="020F0502020204030204" pitchFamily="34" charset="0"/>
               </a:rPr>
               <a:t>3239</a:t>
             </a:r>
@@ -6230,8 +6595,9 @@
           <a:p>
             <a:r>
               <a:rPr lang="ru-RU" sz="2000" dirty="0" smtClean="0">
-                <a:latin typeface="Times New Roman" panose="02020603050405020304" pitchFamily="18" charset="0"/>
-                <a:cs typeface="Times New Roman" panose="02020603050405020304" pitchFamily="18" charset="0"/>
+                <a:latin typeface="Calibri" panose="020F0502020204030204" pitchFamily="34" charset="0"/>
+                <a:ea typeface="Calibri" panose="020F0502020204030204" pitchFamily="34" charset="0"/>
+                <a:cs typeface="Calibri" panose="020F0502020204030204" pitchFamily="34" charset="0"/>
               </a:rPr>
               <a:t>Преподаватель:</a:t>
             </a:r>
@@ -6239,15 +6605,40 @@
           <a:p>
             <a:r>
               <a:rPr lang="ru-RU" sz="2000" dirty="0" smtClean="0">
-                <a:latin typeface="Times New Roman" panose="02020603050405020304" pitchFamily="18" charset="0"/>
-                <a:cs typeface="Times New Roman" panose="02020603050405020304" pitchFamily="18" charset="0"/>
+                <a:latin typeface="Calibri" panose="020F0502020204030204" pitchFamily="34" charset="0"/>
+                <a:ea typeface="Calibri" panose="020F0502020204030204" pitchFamily="34" charset="0"/>
+                <a:cs typeface="Calibri" panose="020F0502020204030204" pitchFamily="34" charset="0"/>
               </a:rPr>
               <a:t>Говорова Марина Михайловна</a:t>
             </a:r>
             <a:endParaRPr lang="ru-RU" sz="2000" dirty="0">
-              <a:latin typeface="Times New Roman" panose="02020603050405020304" pitchFamily="18" charset="0"/>
-              <a:cs typeface="Times New Roman" panose="02020603050405020304" pitchFamily="18" charset="0"/>
+              <a:latin typeface="Calibri" panose="020F0502020204030204" pitchFamily="34" charset="0"/>
+              <a:ea typeface="Calibri" panose="020F0502020204030204" pitchFamily="34" charset="0"/>
+              <a:cs typeface="Calibri" panose="020F0502020204030204" pitchFamily="34" charset="0"/>
             </a:endParaRPr>
+          </a:p>
+        </p:txBody>
+      </p:sp>
+      <p:sp>
+        <p:nvSpPr>
+          <p:cNvPr id="3" name="Номер слайда 2"/>
+          <p:cNvSpPr>
+            <a:spLocks noGrp="1"/>
+          </p:cNvSpPr>
+          <p:nvPr>
+            <p:ph type="sldNum" sz="quarter" idx="12"/>
+          </p:nvPr>
+        </p:nvSpPr>
+        <p:spPr/>
+        <p:txBody>
+          <a:bodyPr/>
+          <a:lstStyle/>
+          <a:p>
+            <a:fld id="{98971110-AEE3-45BB-A537-DF96A19A7D14}" type="slidenum">
+              <a:rPr lang="ru-RU" smtClean="0"/>
+              <a:t>1</a:t>
+            </a:fld>
+            <a:endParaRPr lang="ru-RU"/>
           </a:p>
         </p:txBody>
       </p:sp>
@@ -6310,28 +6701,32 @@
           <a:p>
             <a:r>
               <a:rPr lang="ru-RU" sz="5400" dirty="0" smtClean="0">
-                <a:latin typeface="Times New Roman" panose="02020603050405020304" pitchFamily="18" charset="0"/>
-                <a:cs typeface="Times New Roman" panose="02020603050405020304" pitchFamily="18" charset="0"/>
+                <a:latin typeface="Calibri" panose="020F0502020204030204" pitchFamily="34" charset="0"/>
+                <a:ea typeface="Calibri" panose="020F0502020204030204" pitchFamily="34" charset="0"/>
+                <a:cs typeface="Calibri" panose="020F0502020204030204" pitchFamily="34" charset="0"/>
               </a:rPr>
               <a:t>Связи </a:t>
             </a:r>
             <a:r>
               <a:rPr lang="ru-RU" sz="5400" dirty="0">
-                <a:latin typeface="Times New Roman" panose="02020603050405020304" pitchFamily="18" charset="0"/>
-                <a:cs typeface="Times New Roman" panose="02020603050405020304" pitchFamily="18" charset="0"/>
+                <a:latin typeface="Calibri" panose="020F0502020204030204" pitchFamily="34" charset="0"/>
+                <a:ea typeface="Calibri" panose="020F0502020204030204" pitchFamily="34" charset="0"/>
+                <a:cs typeface="Calibri" panose="020F0502020204030204" pitchFamily="34" charset="0"/>
               </a:rPr>
               <a:t>по потокам </a:t>
             </a:r>
             <a:r>
               <a:rPr lang="ru-RU" sz="5400" dirty="0" smtClean="0">
-                <a:latin typeface="Times New Roman" panose="02020603050405020304" pitchFamily="18" charset="0"/>
-                <a:cs typeface="Times New Roman" panose="02020603050405020304" pitchFamily="18" charset="0"/>
+                <a:latin typeface="Calibri" panose="020F0502020204030204" pitchFamily="34" charset="0"/>
+                <a:ea typeface="Calibri" panose="020F0502020204030204" pitchFamily="34" charset="0"/>
+                <a:cs typeface="Calibri" panose="020F0502020204030204" pitchFamily="34" charset="0"/>
               </a:rPr>
               <a:t>данных</a:t>
             </a:r>
             <a:endParaRPr lang="ru-RU" sz="5400" dirty="0">
-              <a:latin typeface="Times New Roman" panose="02020603050405020304" pitchFamily="18" charset="0"/>
-              <a:cs typeface="Times New Roman" panose="02020603050405020304" pitchFamily="18" charset="0"/>
+              <a:latin typeface="Calibri" panose="020F0502020204030204" pitchFamily="34" charset="0"/>
+              <a:ea typeface="Calibri" panose="020F0502020204030204" pitchFamily="34" charset="0"/>
+              <a:cs typeface="Calibri" panose="020F0502020204030204" pitchFamily="34" charset="0"/>
             </a:endParaRPr>
           </a:p>
         </p:txBody>
@@ -6360,21 +6755,24 @@
           <a:p>
             <a:r>
               <a:rPr lang="ru-RU" sz="2400" b="1" dirty="0" smtClean="0">
-                <a:latin typeface="Times New Roman" panose="02020603050405020304" pitchFamily="18" charset="0"/>
-                <a:cs typeface="Times New Roman" panose="02020603050405020304" pitchFamily="18" charset="0"/>
+                <a:latin typeface="Calibri" panose="020F0502020204030204" pitchFamily="34" charset="0"/>
+                <a:ea typeface="Calibri" panose="020F0502020204030204" pitchFamily="34" charset="0"/>
+                <a:cs typeface="Calibri" panose="020F0502020204030204" pitchFamily="34" charset="0"/>
               </a:rPr>
               <a:t>Разработка и согласование макета</a:t>
             </a:r>
             <a:endParaRPr lang="ru-RU" sz="2400" dirty="0" smtClean="0">
-              <a:latin typeface="Times New Roman" panose="02020603050405020304" pitchFamily="18" charset="0"/>
-              <a:cs typeface="Times New Roman" panose="02020603050405020304" pitchFamily="18" charset="0"/>
+              <a:latin typeface="Calibri" panose="020F0502020204030204" pitchFamily="34" charset="0"/>
+              <a:ea typeface="Calibri" panose="020F0502020204030204" pitchFamily="34" charset="0"/>
+              <a:cs typeface="Calibri" panose="020F0502020204030204" pitchFamily="34" charset="0"/>
             </a:endParaRPr>
           </a:p>
           <a:p>
             <a:r>
               <a:rPr lang="ru-RU" sz="2400" dirty="0" smtClean="0">
-                <a:latin typeface="Times New Roman" panose="02020603050405020304" pitchFamily="18" charset="0"/>
-                <a:cs typeface="Times New Roman" panose="02020603050405020304" pitchFamily="18" charset="0"/>
+                <a:latin typeface="Calibri" panose="020F0502020204030204" pitchFamily="34" charset="0"/>
+                <a:ea typeface="Calibri" panose="020F0502020204030204" pitchFamily="34" charset="0"/>
+                <a:cs typeface="Calibri" panose="020F0502020204030204" pitchFamily="34" charset="0"/>
               </a:rPr>
               <a:t>Сущности: Директор, Макетчик</a:t>
             </a:r>
@@ -6382,14 +6780,16 @@
           <a:p>
             <a:r>
               <a:rPr lang="ru-RU" sz="2400" dirty="0" smtClean="0">
-                <a:latin typeface="Times New Roman" panose="02020603050405020304" pitchFamily="18" charset="0"/>
-                <a:cs typeface="Times New Roman" panose="02020603050405020304" pitchFamily="18" charset="0"/>
+                <a:latin typeface="Calibri" panose="020F0502020204030204" pitchFamily="34" charset="0"/>
+                <a:ea typeface="Calibri" panose="020F0502020204030204" pitchFamily="34" charset="0"/>
+                <a:cs typeface="Calibri" panose="020F0502020204030204" pitchFamily="34" charset="0"/>
               </a:rPr>
               <a:t>Накопители: Макеты</a:t>
             </a:r>
             <a:endParaRPr lang="ru-RU" sz="2400" dirty="0">
-              <a:latin typeface="Times New Roman" panose="02020603050405020304" pitchFamily="18" charset="0"/>
-              <a:cs typeface="Times New Roman" panose="02020603050405020304" pitchFamily="18" charset="0"/>
+              <a:latin typeface="Calibri" panose="020F0502020204030204" pitchFamily="34" charset="0"/>
+              <a:ea typeface="Calibri" panose="020F0502020204030204" pitchFamily="34" charset="0"/>
+              <a:cs typeface="Calibri" panose="020F0502020204030204" pitchFamily="34" charset="0"/>
             </a:endParaRPr>
           </a:p>
         </p:txBody>
@@ -6418,8 +6818,9 @@
           <a:p>
             <a:r>
               <a:rPr lang="ru-RU" sz="2400" b="1" dirty="0">
-                <a:latin typeface="Times New Roman" panose="02020603050405020304" pitchFamily="18" charset="0"/>
-                <a:cs typeface="Times New Roman" panose="02020603050405020304" pitchFamily="18" charset="0"/>
+                <a:latin typeface="Calibri" panose="020F0502020204030204" pitchFamily="34" charset="0"/>
+                <a:ea typeface="Calibri" panose="020F0502020204030204" pitchFamily="34" charset="0"/>
+                <a:cs typeface="Calibri" panose="020F0502020204030204" pitchFamily="34" charset="0"/>
               </a:rPr>
               <a:t>Оформление заказа</a:t>
             </a:r>
@@ -6427,8 +6828,9 @@
           <a:p>
             <a:r>
               <a:rPr lang="ru-RU" sz="2400" dirty="0">
-                <a:latin typeface="Times New Roman" panose="02020603050405020304" pitchFamily="18" charset="0"/>
-                <a:cs typeface="Times New Roman" panose="02020603050405020304" pitchFamily="18" charset="0"/>
+                <a:latin typeface="Calibri" panose="020F0502020204030204" pitchFamily="34" charset="0"/>
+                <a:ea typeface="Calibri" panose="020F0502020204030204" pitchFamily="34" charset="0"/>
+                <a:cs typeface="Calibri" panose="020F0502020204030204" pitchFamily="34" charset="0"/>
               </a:rPr>
               <a:t>Сущности: Директор, Клиент</a:t>
             </a:r>
@@ -6436,21 +6838,24 @@
           <a:p>
             <a:r>
               <a:rPr lang="ru-RU" sz="2400" dirty="0">
-                <a:latin typeface="Times New Roman" panose="02020603050405020304" pitchFamily="18" charset="0"/>
-                <a:cs typeface="Times New Roman" panose="02020603050405020304" pitchFamily="18" charset="0"/>
+                <a:latin typeface="Calibri" panose="020F0502020204030204" pitchFamily="34" charset="0"/>
+                <a:ea typeface="Calibri" panose="020F0502020204030204" pitchFamily="34" charset="0"/>
+                <a:cs typeface="Calibri" panose="020F0502020204030204" pitchFamily="34" charset="0"/>
               </a:rPr>
               <a:t>Накопители: Заказы, </a:t>
             </a:r>
             <a:r>
               <a:rPr lang="ru-RU" sz="2400" dirty="0" smtClean="0">
-                <a:latin typeface="Times New Roman" panose="02020603050405020304" pitchFamily="18" charset="0"/>
-                <a:cs typeface="Times New Roman" panose="02020603050405020304" pitchFamily="18" charset="0"/>
+                <a:latin typeface="Calibri" panose="020F0502020204030204" pitchFamily="34" charset="0"/>
+                <a:ea typeface="Calibri" panose="020F0502020204030204" pitchFamily="34" charset="0"/>
+                <a:cs typeface="Calibri" panose="020F0502020204030204" pitchFamily="34" charset="0"/>
               </a:rPr>
               <a:t>Клиенты</a:t>
             </a:r>
             <a:endParaRPr lang="ru-RU" sz="2400" dirty="0">
-              <a:latin typeface="Times New Roman" panose="02020603050405020304" pitchFamily="18" charset="0"/>
-              <a:cs typeface="Times New Roman" panose="02020603050405020304" pitchFamily="18" charset="0"/>
+              <a:latin typeface="Calibri" panose="020F0502020204030204" pitchFamily="34" charset="0"/>
+              <a:ea typeface="Calibri" panose="020F0502020204030204" pitchFamily="34" charset="0"/>
+              <a:cs typeface="Calibri" panose="020F0502020204030204" pitchFamily="34" charset="0"/>
             </a:endParaRPr>
           </a:p>
         </p:txBody>
@@ -6537,6 +6942,29 @@
           </a:extLst>
         </p:spPr>
       </p:pic>
+      <p:sp>
+        <p:nvSpPr>
+          <p:cNvPr id="6" name="Номер слайда 5"/>
+          <p:cNvSpPr>
+            <a:spLocks noGrp="1"/>
+          </p:cNvSpPr>
+          <p:nvPr>
+            <p:ph type="sldNum" sz="quarter" idx="12"/>
+          </p:nvPr>
+        </p:nvSpPr>
+        <p:spPr/>
+        <p:txBody>
+          <a:bodyPr/>
+          <a:lstStyle/>
+          <a:p>
+            <a:fld id="{98971110-AEE3-45BB-A537-DF96A19A7D14}" type="slidenum">
+              <a:rPr lang="ru-RU" smtClean="0"/>
+              <a:t>10</a:t>
+            </a:fld>
+            <a:endParaRPr lang="ru-RU"/>
+          </a:p>
+        </p:txBody>
+      </p:sp>
     </p:spTree>
     <p:extLst>
       <p:ext uri="{BB962C8B-B14F-4D97-AF65-F5344CB8AC3E}">
@@ -6596,28 +7024,32 @@
           <a:p>
             <a:r>
               <a:rPr lang="ru-RU" sz="5400" dirty="0" smtClean="0">
-                <a:latin typeface="Times New Roman" panose="02020603050405020304" pitchFamily="18" charset="0"/>
-                <a:cs typeface="Times New Roman" panose="02020603050405020304" pitchFamily="18" charset="0"/>
+                <a:latin typeface="Calibri" panose="020F0502020204030204" pitchFamily="34" charset="0"/>
+                <a:ea typeface="Calibri" panose="020F0502020204030204" pitchFamily="34" charset="0"/>
+                <a:cs typeface="Calibri" panose="020F0502020204030204" pitchFamily="34" charset="0"/>
               </a:rPr>
               <a:t>Связи </a:t>
             </a:r>
             <a:r>
               <a:rPr lang="ru-RU" sz="5400" dirty="0">
-                <a:latin typeface="Times New Roman" panose="02020603050405020304" pitchFamily="18" charset="0"/>
-                <a:cs typeface="Times New Roman" panose="02020603050405020304" pitchFamily="18" charset="0"/>
+                <a:latin typeface="Calibri" panose="020F0502020204030204" pitchFamily="34" charset="0"/>
+                <a:ea typeface="Calibri" panose="020F0502020204030204" pitchFamily="34" charset="0"/>
+                <a:cs typeface="Calibri" panose="020F0502020204030204" pitchFamily="34" charset="0"/>
               </a:rPr>
               <a:t>по потокам </a:t>
             </a:r>
             <a:r>
               <a:rPr lang="ru-RU" sz="5400" dirty="0" smtClean="0">
-                <a:latin typeface="Times New Roman" panose="02020603050405020304" pitchFamily="18" charset="0"/>
-                <a:cs typeface="Times New Roman" panose="02020603050405020304" pitchFamily="18" charset="0"/>
+                <a:latin typeface="Calibri" panose="020F0502020204030204" pitchFamily="34" charset="0"/>
+                <a:ea typeface="Calibri" panose="020F0502020204030204" pitchFamily="34" charset="0"/>
+                <a:cs typeface="Calibri" panose="020F0502020204030204" pitchFamily="34" charset="0"/>
               </a:rPr>
               <a:t>данных</a:t>
             </a:r>
             <a:endParaRPr lang="ru-RU" sz="5400" dirty="0">
-              <a:latin typeface="Times New Roman" panose="02020603050405020304" pitchFamily="18" charset="0"/>
-              <a:cs typeface="Times New Roman" panose="02020603050405020304" pitchFamily="18" charset="0"/>
+              <a:latin typeface="Calibri" panose="020F0502020204030204" pitchFamily="34" charset="0"/>
+              <a:ea typeface="Calibri" panose="020F0502020204030204" pitchFamily="34" charset="0"/>
+              <a:cs typeface="Calibri" panose="020F0502020204030204" pitchFamily="34" charset="0"/>
             </a:endParaRPr>
           </a:p>
         </p:txBody>
@@ -6646,8 +7078,9 @@
           <a:p>
             <a:r>
               <a:rPr lang="ru-RU" sz="2400" b="1" dirty="0" smtClean="0">
-                <a:latin typeface="Times New Roman" panose="02020603050405020304" pitchFamily="18" charset="0"/>
-                <a:cs typeface="Times New Roman" panose="02020603050405020304" pitchFamily="18" charset="0"/>
+                <a:latin typeface="Calibri" panose="020F0502020204030204" pitchFamily="34" charset="0"/>
+                <a:ea typeface="Calibri" panose="020F0502020204030204" pitchFamily="34" charset="0"/>
+                <a:cs typeface="Calibri" panose="020F0502020204030204" pitchFamily="34" charset="0"/>
               </a:rPr>
               <a:t>Изготовление и монтаж продукта</a:t>
             </a:r>
@@ -6655,8 +7088,9 @@
           <a:p>
             <a:r>
               <a:rPr lang="ru-RU" sz="2400" dirty="0" smtClean="0">
-                <a:latin typeface="Times New Roman" panose="02020603050405020304" pitchFamily="18" charset="0"/>
-                <a:cs typeface="Times New Roman" panose="02020603050405020304" pitchFamily="18" charset="0"/>
+                <a:latin typeface="Calibri" panose="020F0502020204030204" pitchFamily="34" charset="0"/>
+                <a:ea typeface="Calibri" panose="020F0502020204030204" pitchFamily="34" charset="0"/>
+                <a:cs typeface="Calibri" panose="020F0502020204030204" pitchFamily="34" charset="0"/>
               </a:rPr>
               <a:t>Сущности: Мастер, Клиент</a:t>
             </a:r>
@@ -6664,14 +7098,16 @@
           <a:p>
             <a:r>
               <a:rPr lang="ru-RU" sz="2400" dirty="0" smtClean="0">
-                <a:latin typeface="Times New Roman" panose="02020603050405020304" pitchFamily="18" charset="0"/>
-                <a:cs typeface="Times New Roman" panose="02020603050405020304" pitchFamily="18" charset="0"/>
+                <a:latin typeface="Calibri" panose="020F0502020204030204" pitchFamily="34" charset="0"/>
+                <a:ea typeface="Calibri" panose="020F0502020204030204" pitchFamily="34" charset="0"/>
+                <a:cs typeface="Calibri" panose="020F0502020204030204" pitchFamily="34" charset="0"/>
               </a:rPr>
               <a:t>Накопители: Склад</a:t>
             </a:r>
             <a:endParaRPr lang="ru-RU" sz="2400" dirty="0">
-              <a:latin typeface="Times New Roman" panose="02020603050405020304" pitchFamily="18" charset="0"/>
-              <a:cs typeface="Times New Roman" panose="02020603050405020304" pitchFamily="18" charset="0"/>
+              <a:latin typeface="Calibri" panose="020F0502020204030204" pitchFamily="34" charset="0"/>
+              <a:ea typeface="Calibri" panose="020F0502020204030204" pitchFamily="34" charset="0"/>
+              <a:cs typeface="Calibri" panose="020F0502020204030204" pitchFamily="34" charset="0"/>
             </a:endParaRPr>
           </a:p>
         </p:txBody>
@@ -6700,8 +7136,9 @@
           <a:p>
             <a:r>
               <a:rPr lang="ru-RU" sz="2400" b="1" dirty="0" smtClean="0">
-                <a:latin typeface="Times New Roman" panose="02020603050405020304" pitchFamily="18" charset="0"/>
-                <a:cs typeface="Times New Roman" panose="02020603050405020304" pitchFamily="18" charset="0"/>
+                <a:latin typeface="Calibri" panose="020F0502020204030204" pitchFamily="34" charset="0"/>
+                <a:ea typeface="Calibri" panose="020F0502020204030204" pitchFamily="34" charset="0"/>
+                <a:cs typeface="Calibri" panose="020F0502020204030204" pitchFamily="34" charset="0"/>
               </a:rPr>
               <a:t>Управление финансами и материалами</a:t>
             </a:r>
@@ -6709,8 +7146,9 @@
           <a:p>
             <a:r>
               <a:rPr lang="ru-RU" sz="2400" dirty="0" smtClean="0">
-                <a:latin typeface="Times New Roman" panose="02020603050405020304" pitchFamily="18" charset="0"/>
-                <a:cs typeface="Times New Roman" panose="02020603050405020304" pitchFamily="18" charset="0"/>
+                <a:latin typeface="Calibri" panose="020F0502020204030204" pitchFamily="34" charset="0"/>
+                <a:ea typeface="Calibri" panose="020F0502020204030204" pitchFamily="34" charset="0"/>
+                <a:cs typeface="Calibri" panose="020F0502020204030204" pitchFamily="34" charset="0"/>
               </a:rPr>
               <a:t>Сущности: Директор, Клиент, Поставщик</a:t>
             </a:r>
@@ -6718,14 +7156,16 @@
           <a:p>
             <a:r>
               <a:rPr lang="ru-RU" sz="2400" dirty="0" smtClean="0">
-                <a:latin typeface="Times New Roman" panose="02020603050405020304" pitchFamily="18" charset="0"/>
-                <a:cs typeface="Times New Roman" panose="02020603050405020304" pitchFamily="18" charset="0"/>
+                <a:latin typeface="Calibri" panose="020F0502020204030204" pitchFamily="34" charset="0"/>
+                <a:ea typeface="Calibri" panose="020F0502020204030204" pitchFamily="34" charset="0"/>
+                <a:cs typeface="Calibri" panose="020F0502020204030204" pitchFamily="34" charset="0"/>
               </a:rPr>
               <a:t>Накопители: Склад</a:t>
             </a:r>
             <a:endParaRPr lang="ru-RU" sz="2400" dirty="0">
-              <a:latin typeface="Times New Roman" panose="02020603050405020304" pitchFamily="18" charset="0"/>
-              <a:cs typeface="Times New Roman" panose="02020603050405020304" pitchFamily="18" charset="0"/>
+              <a:latin typeface="Calibri" panose="020F0502020204030204" pitchFamily="34" charset="0"/>
+              <a:ea typeface="Calibri" panose="020F0502020204030204" pitchFamily="34" charset="0"/>
+              <a:cs typeface="Calibri" panose="020F0502020204030204" pitchFamily="34" charset="0"/>
             </a:endParaRPr>
           </a:p>
         </p:txBody>
@@ -6812,6 +7252,29 @@
           </a:extLst>
         </p:spPr>
       </p:pic>
+      <p:sp>
+        <p:nvSpPr>
+          <p:cNvPr id="6" name="Номер слайда 5"/>
+          <p:cNvSpPr>
+            <a:spLocks noGrp="1"/>
+          </p:cNvSpPr>
+          <p:nvPr>
+            <p:ph type="sldNum" sz="quarter" idx="12"/>
+          </p:nvPr>
+        </p:nvSpPr>
+        <p:spPr/>
+        <p:txBody>
+          <a:bodyPr/>
+          <a:lstStyle/>
+          <a:p>
+            <a:fld id="{98971110-AEE3-45BB-A537-DF96A19A7D14}" type="slidenum">
+              <a:rPr lang="ru-RU" smtClean="0"/>
+              <a:t>11</a:t>
+            </a:fld>
+            <a:endParaRPr lang="ru-RU"/>
+          </a:p>
+        </p:txBody>
+      </p:sp>
     </p:spTree>
     <p:extLst>
       <p:ext uri="{BB962C8B-B14F-4D97-AF65-F5344CB8AC3E}">
@@ -6851,20 +7314,14 @@
       </p:grpSpPr>
       <p:pic>
         <p:nvPicPr>
-          <p:cNvPr id="4" name="Рисунок 3"/>
+          <p:cNvPr id="5" name="Рисунок 4"/>
           <p:cNvPicPr>
             <a:picLocks noChangeAspect="1"/>
           </p:cNvPicPr>
           <p:nvPr/>
         </p:nvPicPr>
         <p:blipFill>
-          <a:blip r:embed="rId2">
-            <a:extLst>
-              <a:ext uri="{28A0092B-C50C-407E-A947-70E740481C1C}">
-                <a14:useLocalDpi xmlns:a14="http://schemas.microsoft.com/office/drawing/2010/main" val="0"/>
-              </a:ext>
-            </a:extLst>
-          </a:blip>
+          <a:blip r:embed="rId2"/>
           <a:stretch>
             <a:fillRect/>
           </a:stretch>
@@ -6872,13 +7329,49 @@
         <p:spPr>
           <a:xfrm>
             <a:off x="0" y="0"/>
-            <a:ext cx="12192000" cy="6858000"/>
+            <a:ext cx="12192000" cy="6855218"/>
           </a:xfrm>
           <a:prstGeom prst="rect">
             <a:avLst/>
           </a:prstGeom>
         </p:spPr>
       </p:pic>
+      <p:sp>
+        <p:nvSpPr>
+          <p:cNvPr id="3" name="Номер слайда 2"/>
+          <p:cNvSpPr>
+            <a:spLocks noGrp="1"/>
+          </p:cNvSpPr>
+          <p:nvPr>
+            <p:ph type="sldNum" sz="quarter" idx="12"/>
+          </p:nvPr>
+        </p:nvSpPr>
+        <p:spPr>
+          <a:xfrm>
+            <a:off x="11189209" y="417766"/>
+            <a:ext cx="838199" cy="767687"/>
+          </a:xfrm>
+        </p:spPr>
+        <p:txBody>
+          <a:bodyPr/>
+          <a:lstStyle/>
+          <a:p>
+            <a:fld id="{98971110-AEE3-45BB-A537-DF96A19A7D14}" type="slidenum">
+              <a:rPr lang="ru-RU" smtClean="0">
+                <a:solidFill>
+                  <a:schemeClr val="bg1"/>
+                </a:solidFill>
+              </a:rPr>
+              <a:t>12</a:t>
+            </a:fld>
+            <a:endParaRPr lang="ru-RU" dirty="0">
+              <a:solidFill>
+                <a:schemeClr val="bg1"/>
+              </a:solidFill>
+            </a:endParaRPr>
+          </a:p>
+        </p:txBody>
+      </p:sp>
     </p:spTree>
     <p:extLst>
       <p:ext uri="{BB962C8B-B14F-4D97-AF65-F5344CB8AC3E}">
@@ -6926,21 +7419,28 @@
             <p:ph type="title"/>
           </p:nvPr>
         </p:nvSpPr>
-        <p:spPr/>
+        <p:spPr>
+          <a:xfrm>
+            <a:off x="646111" y="452718"/>
+            <a:ext cx="9404723" cy="910090"/>
+          </a:xfrm>
+        </p:spPr>
         <p:txBody>
           <a:bodyPr/>
           <a:lstStyle/>
           <a:p>
             <a:r>
               <a:rPr lang="ru-RU" sz="5400" dirty="0" smtClean="0">
-                <a:latin typeface="Times New Roman" panose="02020603050405020304" pitchFamily="18" charset="0"/>
-                <a:cs typeface="Times New Roman" panose="02020603050405020304" pitchFamily="18" charset="0"/>
+                <a:latin typeface="Calibri" panose="020F0502020204030204" pitchFamily="34" charset="0"/>
+                <a:ea typeface="Calibri" panose="020F0502020204030204" pitchFamily="34" charset="0"/>
+                <a:cs typeface="Calibri" panose="020F0502020204030204" pitchFamily="34" charset="0"/>
               </a:rPr>
               <a:t>Выводы</a:t>
             </a:r>
             <a:endParaRPr lang="ru-RU" sz="5400" dirty="0">
-              <a:latin typeface="Times New Roman" panose="02020603050405020304" pitchFamily="18" charset="0"/>
-              <a:cs typeface="Times New Roman" panose="02020603050405020304" pitchFamily="18" charset="0"/>
+              <a:latin typeface="Calibri" panose="020F0502020204030204" pitchFamily="34" charset="0"/>
+              <a:ea typeface="Calibri" panose="020F0502020204030204" pitchFamily="34" charset="0"/>
+              <a:cs typeface="Calibri" panose="020F0502020204030204" pitchFamily="34" charset="0"/>
             </a:endParaRPr>
           </a:p>
         </p:txBody>
@@ -6972,8 +7472,9 @@
             </a:pPr>
             <a:r>
               <a:rPr lang="ru-RU" sz="2400" dirty="0" smtClean="0">
-                <a:latin typeface="Times New Roman" panose="02020603050405020304" pitchFamily="18" charset="0"/>
-                <a:cs typeface="Times New Roman" panose="02020603050405020304" pitchFamily="18" charset="0"/>
+                <a:latin typeface="Calibri" panose="020F0502020204030204" pitchFamily="34" charset="0"/>
+                <a:ea typeface="Calibri" panose="020F0502020204030204" pitchFamily="34" charset="0"/>
+                <a:cs typeface="Calibri" panose="020F0502020204030204" pitchFamily="34" charset="0"/>
               </a:rPr>
               <a:t>В ходе лабораторной работы, я спроектировал функциональную модель АИС агентства наружной рекламы «Ньютон».</a:t>
             </a:r>
@@ -6984,8 +7485,9 @@
             </a:pPr>
             <a:r>
               <a:rPr lang="ru-RU" sz="2400" dirty="0" smtClean="0">
-                <a:latin typeface="Times New Roman" panose="02020603050405020304" pitchFamily="18" charset="0"/>
-                <a:cs typeface="Times New Roman" panose="02020603050405020304" pitchFamily="18" charset="0"/>
+                <a:latin typeface="Calibri" panose="020F0502020204030204" pitchFamily="34" charset="0"/>
+                <a:ea typeface="Calibri" panose="020F0502020204030204" pitchFamily="34" charset="0"/>
+                <a:cs typeface="Calibri" panose="020F0502020204030204" pitchFamily="34" charset="0"/>
               </a:rPr>
               <a:t>Спроектированы уровни:</a:t>
             </a:r>
@@ -6997,8 +7499,9 @@
             </a:pPr>
             <a:r>
               <a:rPr lang="ru-RU" sz="2400" dirty="0" smtClean="0">
-                <a:latin typeface="Times New Roman" panose="02020603050405020304" pitchFamily="18" charset="0"/>
-                <a:cs typeface="Times New Roman" panose="02020603050405020304" pitchFamily="18" charset="0"/>
+                <a:latin typeface="Calibri" panose="020F0502020204030204" pitchFamily="34" charset="0"/>
+                <a:ea typeface="Calibri" panose="020F0502020204030204" pitchFamily="34" charset="0"/>
+                <a:cs typeface="Calibri" panose="020F0502020204030204" pitchFamily="34" charset="0"/>
               </a:rPr>
               <a:t>А-0: главный процесс, внешние сущности и их потоки данных.</a:t>
             </a:r>
@@ -7010,8 +7513,9 @@
             </a:pPr>
             <a:r>
               <a:rPr lang="ru-RU" sz="2400" dirty="0" smtClean="0">
-                <a:latin typeface="Times New Roman" panose="02020603050405020304" pitchFamily="18" charset="0"/>
-                <a:cs typeface="Times New Roman" panose="02020603050405020304" pitchFamily="18" charset="0"/>
+                <a:latin typeface="Calibri" panose="020F0502020204030204" pitchFamily="34" charset="0"/>
+                <a:ea typeface="Calibri" panose="020F0502020204030204" pitchFamily="34" charset="0"/>
+                <a:cs typeface="Calibri" panose="020F0502020204030204" pitchFamily="34" charset="0"/>
               </a:rPr>
               <a:t>А0: внутренние процессы, те же внешние сущности, а так же накопители данных и потоки данных.</a:t>
             </a:r>
@@ -7022,14 +7526,16 @@
             </a:pPr>
             <a:r>
               <a:rPr lang="ru-RU" sz="2400" dirty="0" smtClean="0">
-                <a:latin typeface="Times New Roman" panose="02020603050405020304" pitchFamily="18" charset="0"/>
-                <a:cs typeface="Times New Roman" panose="02020603050405020304" pitchFamily="18" charset="0"/>
+                <a:latin typeface="Calibri" panose="020F0502020204030204" pitchFamily="34" charset="0"/>
+                <a:ea typeface="Calibri" panose="020F0502020204030204" pitchFamily="34" charset="0"/>
+                <a:cs typeface="Calibri" panose="020F0502020204030204" pitchFamily="34" charset="0"/>
               </a:rPr>
               <a:t>Я сделал модель, по которой можно начать преобразовывать процессы и базы данных агентства.</a:t>
             </a:r>
             <a:endParaRPr lang="ru-RU" sz="2400" dirty="0">
-              <a:latin typeface="Times New Roman" panose="02020603050405020304" pitchFamily="18" charset="0"/>
-              <a:cs typeface="Times New Roman" panose="02020603050405020304" pitchFamily="18" charset="0"/>
+              <a:latin typeface="Calibri" panose="020F0502020204030204" pitchFamily="34" charset="0"/>
+              <a:ea typeface="Calibri" panose="020F0502020204030204" pitchFamily="34" charset="0"/>
+              <a:cs typeface="Calibri" panose="020F0502020204030204" pitchFamily="34" charset="0"/>
             </a:endParaRPr>
           </a:p>
         </p:txBody>
@@ -7075,6 +7581,29 @@
           </a:extLst>
         </p:spPr>
       </p:pic>
+      <p:sp>
+        <p:nvSpPr>
+          <p:cNvPr id="5" name="Номер слайда 4"/>
+          <p:cNvSpPr>
+            <a:spLocks noGrp="1"/>
+          </p:cNvSpPr>
+          <p:nvPr>
+            <p:ph type="sldNum" sz="quarter" idx="12"/>
+          </p:nvPr>
+        </p:nvSpPr>
+        <p:spPr/>
+        <p:txBody>
+          <a:bodyPr/>
+          <a:lstStyle/>
+          <a:p>
+            <a:fld id="{98971110-AEE3-45BB-A537-DF96A19A7D14}" type="slidenum">
+              <a:rPr lang="ru-RU" smtClean="0"/>
+              <a:t>13</a:t>
+            </a:fld>
+            <a:endParaRPr lang="ru-RU"/>
+          </a:p>
+        </p:txBody>
+      </p:sp>
     </p:spTree>
     <p:extLst>
       <p:ext uri="{BB962C8B-B14F-4D97-AF65-F5344CB8AC3E}">
@@ -7165,7 +7694,7 @@
         </p:nvSpPr>
         <p:spPr>
           <a:xfrm>
-            <a:off x="3241673" y="2517720"/>
+            <a:off x="3206503" y="2508928"/>
             <a:ext cx="6517789" cy="1400530"/>
           </a:xfrm>
         </p:spPr>
@@ -7173,23 +7702,92 @@
           <a:bodyPr/>
           <a:lstStyle/>
           <a:p>
+            <a:pPr algn="ctr"/>
             <a:r>
               <a:rPr lang="ru-RU" sz="5400" dirty="0" smtClean="0">
                 <a:solidFill>
                   <a:schemeClr val="bg1"/>
                 </a:solidFill>
-                <a:latin typeface="Times New Roman" panose="02020603050405020304" pitchFamily="18" charset="0"/>
-                <a:cs typeface="Times New Roman" panose="02020603050405020304" pitchFamily="18" charset="0"/>
+                <a:latin typeface="Calibri" panose="020F0502020204030204" pitchFamily="34" charset="0"/>
+                <a:ea typeface="Calibri" panose="020F0502020204030204" pitchFamily="34" charset="0"/>
+                <a:cs typeface="Calibri" panose="020F0502020204030204" pitchFamily="34" charset="0"/>
               </a:rPr>
-              <a:t>Спасибо за внимание</a:t>
+              <a:t>Спасибо за </a:t>
+            </a:r>
+            <a:r>
+              <a:rPr lang="ru-RU" sz="5400" dirty="0" smtClean="0">
+                <a:solidFill>
+                  <a:schemeClr val="bg1"/>
+                </a:solidFill>
+                <a:latin typeface="Calibri" panose="020F0502020204030204" pitchFamily="34" charset="0"/>
+                <a:ea typeface="Calibri" panose="020F0502020204030204" pitchFamily="34" charset="0"/>
+                <a:cs typeface="Calibri" panose="020F0502020204030204" pitchFamily="34" charset="0"/>
+              </a:rPr>
+              <a:t>внимание</a:t>
+            </a:r>
+            <a:br>
+              <a:rPr lang="ru-RU" sz="5400" dirty="0" smtClean="0">
+                <a:solidFill>
+                  <a:schemeClr val="bg1"/>
+                </a:solidFill>
+                <a:latin typeface="Calibri" panose="020F0502020204030204" pitchFamily="34" charset="0"/>
+                <a:ea typeface="Calibri" panose="020F0502020204030204" pitchFamily="34" charset="0"/>
+                <a:cs typeface="Calibri" panose="020F0502020204030204" pitchFamily="34" charset="0"/>
+              </a:rPr>
+            </a:br>
+            <a:r>
+              <a:rPr lang="ru-RU" sz="2000" dirty="0" smtClean="0">
+                <a:solidFill>
+                  <a:schemeClr val="bg1"/>
+                </a:solidFill>
+                <a:latin typeface="Calibri" panose="020F0502020204030204" pitchFamily="34" charset="0"/>
+                <a:ea typeface="Calibri" panose="020F0502020204030204" pitchFamily="34" charset="0"/>
+                <a:cs typeface="Calibri" panose="020F0502020204030204" pitchFamily="34" charset="0"/>
+              </a:rPr>
+              <a:t>Почта для связи: </a:t>
+            </a:r>
+            <a:r>
+              <a:rPr lang="en-US" sz="2000" dirty="0" smtClean="0">
+                <a:solidFill>
+                  <a:schemeClr val="bg1"/>
+                </a:solidFill>
+                <a:latin typeface="Calibri" panose="020F0502020204030204" pitchFamily="34" charset="0"/>
+                <a:ea typeface="Calibri" panose="020F0502020204030204" pitchFamily="34" charset="0"/>
+                <a:cs typeface="Calibri" panose="020F0502020204030204" pitchFamily="34" charset="0"/>
+              </a:rPr>
+              <a:t>fenix.top.2006@gmail.com</a:t>
             </a:r>
             <a:endParaRPr lang="ru-RU" sz="5400" dirty="0">
               <a:solidFill>
                 <a:schemeClr val="bg1"/>
               </a:solidFill>
-              <a:latin typeface="Times New Roman" panose="02020603050405020304" pitchFamily="18" charset="0"/>
-              <a:cs typeface="Times New Roman" panose="02020603050405020304" pitchFamily="18" charset="0"/>
+              <a:latin typeface="Calibri" panose="020F0502020204030204" pitchFamily="34" charset="0"/>
+              <a:ea typeface="Calibri" panose="020F0502020204030204" pitchFamily="34" charset="0"/>
+              <a:cs typeface="Calibri" panose="020F0502020204030204" pitchFamily="34" charset="0"/>
             </a:endParaRPr>
+          </a:p>
+        </p:txBody>
+      </p:sp>
+      <p:sp>
+        <p:nvSpPr>
+          <p:cNvPr id="4" name="Номер слайда 3"/>
+          <p:cNvSpPr>
+            <a:spLocks noGrp="1"/>
+          </p:cNvSpPr>
+          <p:nvPr>
+            <p:ph type="sldNum" sz="quarter" idx="12"/>
+          </p:nvPr>
+        </p:nvSpPr>
+        <p:spPr/>
+        <p:txBody>
+          <a:bodyPr/>
+          <a:lstStyle/>
+          <a:p>
+            <a:fld id="{98971110-AEE3-45BB-A537-DF96A19A7D14}" type="slidenum">
+              <a:rPr lang="ru-RU" smtClean="0"/>
+              <a:t>14</a:t>
+            </a:fld>
+            <a:endParaRPr lang="ru-RU"/>
           </a:p>
         </p:txBody>
       </p:sp>
@@ -7252,14 +7850,16 @@
           <a:p>
             <a:r>
               <a:rPr lang="ru-RU" sz="5400" dirty="0" smtClean="0">
-                <a:latin typeface="Times New Roman" panose="02020603050405020304" pitchFamily="18" charset="0"/>
-                <a:cs typeface="Times New Roman" panose="02020603050405020304" pitchFamily="18" charset="0"/>
+                <a:latin typeface="Calibri" panose="020F0502020204030204" pitchFamily="34" charset="0"/>
+                <a:ea typeface="Calibri" panose="020F0502020204030204" pitchFamily="34" charset="0"/>
+                <a:cs typeface="Calibri" panose="020F0502020204030204" pitchFamily="34" charset="0"/>
               </a:rPr>
               <a:t>Предметная область</a:t>
             </a:r>
             <a:endParaRPr lang="ru-RU" sz="5400" dirty="0">
-              <a:latin typeface="Times New Roman" panose="02020603050405020304" pitchFamily="18" charset="0"/>
-              <a:cs typeface="Times New Roman" panose="02020603050405020304" pitchFamily="18" charset="0"/>
+              <a:latin typeface="Calibri" panose="020F0502020204030204" pitchFamily="34" charset="0"/>
+              <a:ea typeface="Calibri" panose="020F0502020204030204" pitchFamily="34" charset="0"/>
+              <a:cs typeface="Calibri" panose="020F0502020204030204" pitchFamily="34" charset="0"/>
             </a:endParaRPr>
           </a:p>
         </p:txBody>
@@ -7291,8 +7891,9 @@
             </a:pPr>
             <a:r>
               <a:rPr lang="ru-RU" sz="2400" dirty="0" smtClean="0">
-                <a:latin typeface="Times New Roman" panose="02020603050405020304" pitchFamily="18" charset="0"/>
-                <a:cs typeface="Times New Roman" panose="02020603050405020304" pitchFamily="18" charset="0"/>
+                <a:latin typeface="Calibri" panose="020F0502020204030204" pitchFamily="34" charset="0"/>
+                <a:ea typeface="Calibri" panose="020F0502020204030204" pitchFamily="34" charset="0"/>
+                <a:cs typeface="Calibri" panose="020F0502020204030204" pitchFamily="34" charset="0"/>
               </a:rPr>
               <a:t>Агентство наружной рекламы «Ньютон» </a:t>
             </a:r>
@@ -7304,35 +7905,40 @@
             </a:pPr>
             <a:r>
               <a:rPr lang="ru-RU" sz="2400" dirty="0" smtClean="0">
-                <a:latin typeface="Times New Roman" panose="02020603050405020304" pitchFamily="18" charset="0"/>
-                <a:cs typeface="Times New Roman" panose="02020603050405020304" pitchFamily="18" charset="0"/>
+                <a:latin typeface="Calibri" panose="020F0502020204030204" pitchFamily="34" charset="0"/>
+                <a:ea typeface="Calibri" panose="020F0502020204030204" pitchFamily="34" charset="0"/>
+                <a:cs typeface="Calibri" panose="020F0502020204030204" pitchFamily="34" charset="0"/>
               </a:rPr>
               <a:t>изготовление и размещение с установкой </a:t>
             </a:r>
             <a:r>
               <a:rPr lang="ru-RU" sz="2400" dirty="0" err="1" smtClean="0">
-                <a:latin typeface="Times New Roman" panose="02020603050405020304" pitchFamily="18" charset="0"/>
-                <a:cs typeface="Times New Roman" panose="02020603050405020304" pitchFamily="18" charset="0"/>
+                <a:latin typeface="Calibri" panose="020F0502020204030204" pitchFamily="34" charset="0"/>
+                <a:ea typeface="Calibri" panose="020F0502020204030204" pitchFamily="34" charset="0"/>
+                <a:cs typeface="Calibri" panose="020F0502020204030204" pitchFamily="34" charset="0"/>
               </a:rPr>
               <a:t>штендеров</a:t>
             </a:r>
             <a:r>
               <a:rPr lang="ru-RU" sz="2400" dirty="0" smtClean="0">
-                <a:latin typeface="Times New Roman" panose="02020603050405020304" pitchFamily="18" charset="0"/>
-                <a:cs typeface="Times New Roman" panose="02020603050405020304" pitchFamily="18" charset="0"/>
+                <a:latin typeface="Calibri" panose="020F0502020204030204" pitchFamily="34" charset="0"/>
+                <a:ea typeface="Calibri" panose="020F0502020204030204" pitchFamily="34" charset="0"/>
+                <a:cs typeface="Calibri" panose="020F0502020204030204" pitchFamily="34" charset="0"/>
               </a:rPr>
               <a:t>/вывесок/</a:t>
             </a:r>
             <a:r>
               <a:rPr lang="ru-RU" sz="2400" dirty="0" err="1" smtClean="0">
-                <a:latin typeface="Times New Roman" panose="02020603050405020304" pitchFamily="18" charset="0"/>
-                <a:cs typeface="Times New Roman" panose="02020603050405020304" pitchFamily="18" charset="0"/>
+                <a:latin typeface="Calibri" panose="020F0502020204030204" pitchFamily="34" charset="0"/>
+                <a:ea typeface="Calibri" panose="020F0502020204030204" pitchFamily="34" charset="0"/>
+                <a:cs typeface="Calibri" panose="020F0502020204030204" pitchFamily="34" charset="0"/>
               </a:rPr>
               <a:t>банеров</a:t>
             </a:r>
             <a:endParaRPr lang="ru-RU" sz="2400" dirty="0" smtClean="0">
-              <a:latin typeface="Times New Roman" panose="02020603050405020304" pitchFamily="18" charset="0"/>
-              <a:cs typeface="Times New Roman" panose="02020603050405020304" pitchFamily="18" charset="0"/>
+              <a:latin typeface="Calibri" panose="020F0502020204030204" pitchFamily="34" charset="0"/>
+              <a:ea typeface="Calibri" panose="020F0502020204030204" pitchFamily="34" charset="0"/>
+              <a:cs typeface="Calibri" panose="020F0502020204030204" pitchFamily="34" charset="0"/>
             </a:endParaRPr>
           </a:p>
           <a:p>
@@ -7342,14 +7948,16 @@
             </a:pPr>
             <a:r>
               <a:rPr lang="ru-RU" sz="2400" dirty="0" smtClean="0">
-                <a:latin typeface="Times New Roman" panose="02020603050405020304" pitchFamily="18" charset="0"/>
-                <a:cs typeface="Times New Roman" panose="02020603050405020304" pitchFamily="18" charset="0"/>
+                <a:latin typeface="Calibri" panose="020F0502020204030204" pitchFamily="34" charset="0"/>
+                <a:ea typeface="Calibri" panose="020F0502020204030204" pitchFamily="34" charset="0"/>
+                <a:cs typeface="Calibri" panose="020F0502020204030204" pitchFamily="34" charset="0"/>
               </a:rPr>
               <a:t>изготовление некоторых видов полиграфии.</a:t>
             </a:r>
             <a:endParaRPr lang="ru-RU" sz="2400" dirty="0">
-              <a:latin typeface="Times New Roman" panose="02020603050405020304" pitchFamily="18" charset="0"/>
-              <a:cs typeface="Times New Roman" panose="02020603050405020304" pitchFamily="18" charset="0"/>
+              <a:latin typeface="Calibri" panose="020F0502020204030204" pitchFamily="34" charset="0"/>
+              <a:ea typeface="Calibri" panose="020F0502020204030204" pitchFamily="34" charset="0"/>
+              <a:cs typeface="Calibri" panose="020F0502020204030204" pitchFamily="34" charset="0"/>
             </a:endParaRPr>
           </a:p>
         </p:txBody>
@@ -7436,6 +8044,29 @@
           </a:extLst>
         </p:spPr>
       </p:pic>
+      <p:sp>
+        <p:nvSpPr>
+          <p:cNvPr id="5" name="Номер слайда 4"/>
+          <p:cNvSpPr>
+            <a:spLocks noGrp="1"/>
+          </p:cNvSpPr>
+          <p:nvPr>
+            <p:ph type="sldNum" sz="quarter" idx="12"/>
+          </p:nvPr>
+        </p:nvSpPr>
+        <p:spPr/>
+        <p:txBody>
+          <a:bodyPr/>
+          <a:lstStyle/>
+          <a:p>
+            <a:fld id="{98971110-AEE3-45BB-A537-DF96A19A7D14}" type="slidenum">
+              <a:rPr lang="ru-RU" smtClean="0"/>
+              <a:t>2</a:t>
+            </a:fld>
+            <a:endParaRPr lang="ru-RU"/>
+          </a:p>
+        </p:txBody>
+      </p:sp>
     </p:spTree>
     <p:extLst>
       <p:ext uri="{BB962C8B-B14F-4D97-AF65-F5344CB8AC3E}">
@@ -7495,14 +8126,16 @@
           <a:p>
             <a:r>
               <a:rPr lang="ru-RU" sz="5400" dirty="0" smtClean="0">
-                <a:latin typeface="Times New Roman" panose="02020603050405020304" pitchFamily="18" charset="0"/>
-                <a:cs typeface="Times New Roman" panose="02020603050405020304" pitchFamily="18" charset="0"/>
+                <a:latin typeface="Calibri" panose="020F0502020204030204" pitchFamily="34" charset="0"/>
+                <a:ea typeface="Calibri" panose="020F0502020204030204" pitchFamily="34" charset="0"/>
+                <a:cs typeface="Calibri" panose="020F0502020204030204" pitchFamily="34" charset="0"/>
               </a:rPr>
               <a:t>Цель </a:t>
             </a:r>
             <a:endParaRPr lang="ru-RU" sz="5400" dirty="0">
-              <a:latin typeface="Times New Roman" panose="02020603050405020304" pitchFamily="18" charset="0"/>
-              <a:cs typeface="Times New Roman" panose="02020603050405020304" pitchFamily="18" charset="0"/>
+              <a:latin typeface="Calibri" panose="020F0502020204030204" pitchFamily="34" charset="0"/>
+              <a:ea typeface="Calibri" panose="020F0502020204030204" pitchFamily="34" charset="0"/>
+              <a:cs typeface="Calibri" panose="020F0502020204030204" pitchFamily="34" charset="0"/>
             </a:endParaRPr>
           </a:p>
         </p:txBody>
@@ -7534,14 +8167,16 @@
             </a:pPr>
             <a:r>
               <a:rPr lang="ru-RU" sz="2400" dirty="0" smtClean="0">
-                <a:latin typeface="Times New Roman" panose="02020603050405020304" pitchFamily="18" charset="0"/>
-                <a:cs typeface="Times New Roman" panose="02020603050405020304" pitchFamily="18" charset="0"/>
+                <a:latin typeface="Calibri" panose="020F0502020204030204" pitchFamily="34" charset="0"/>
+                <a:ea typeface="Calibri" panose="020F0502020204030204" pitchFamily="34" charset="0"/>
+                <a:cs typeface="Calibri" panose="020F0502020204030204" pitchFamily="34" charset="0"/>
               </a:rPr>
               <a:t>Проектирование функциональной модели АИС агентства наружной рекламы «Ньютон»</a:t>
             </a:r>
             <a:endParaRPr lang="ru-RU" sz="2400" dirty="0">
-              <a:latin typeface="Times New Roman" panose="02020603050405020304" pitchFamily="18" charset="0"/>
-              <a:cs typeface="Times New Roman" panose="02020603050405020304" pitchFamily="18" charset="0"/>
+              <a:latin typeface="Calibri" panose="020F0502020204030204" pitchFamily="34" charset="0"/>
+              <a:ea typeface="Calibri" panose="020F0502020204030204" pitchFamily="34" charset="0"/>
+              <a:cs typeface="Calibri" panose="020F0502020204030204" pitchFamily="34" charset="0"/>
             </a:endParaRPr>
           </a:p>
         </p:txBody>
@@ -7617,6 +8252,29 @@
           </a:prstGeom>
         </p:spPr>
       </p:pic>
+      <p:sp>
+        <p:nvSpPr>
+          <p:cNvPr id="5" name="Номер слайда 4"/>
+          <p:cNvSpPr>
+            <a:spLocks noGrp="1"/>
+          </p:cNvSpPr>
+          <p:nvPr>
+            <p:ph type="sldNum" sz="quarter" idx="12"/>
+          </p:nvPr>
+        </p:nvSpPr>
+        <p:spPr/>
+        <p:txBody>
+          <a:bodyPr/>
+          <a:lstStyle/>
+          <a:p>
+            <a:fld id="{98971110-AEE3-45BB-A537-DF96A19A7D14}" type="slidenum">
+              <a:rPr lang="ru-RU" smtClean="0"/>
+              <a:t>3</a:t>
+            </a:fld>
+            <a:endParaRPr lang="ru-RU"/>
+          </a:p>
+        </p:txBody>
+      </p:sp>
     </p:spTree>
     <p:extLst>
       <p:ext uri="{BB962C8B-B14F-4D97-AF65-F5344CB8AC3E}">
@@ -7676,14 +8334,16 @@
           <a:p>
             <a:r>
               <a:rPr lang="ru-RU" sz="5400" dirty="0" smtClean="0">
-                <a:latin typeface="Times New Roman" panose="02020603050405020304" pitchFamily="18" charset="0"/>
-                <a:cs typeface="Times New Roman" panose="02020603050405020304" pitchFamily="18" charset="0"/>
+                <a:latin typeface="Calibri" panose="020F0502020204030204" pitchFamily="34" charset="0"/>
+                <a:ea typeface="Calibri" panose="020F0502020204030204" pitchFamily="34" charset="0"/>
+                <a:cs typeface="Calibri" panose="020F0502020204030204" pitchFamily="34" charset="0"/>
               </a:rPr>
               <a:t>Задачи</a:t>
             </a:r>
             <a:endParaRPr lang="ru-RU" sz="5400" dirty="0">
-              <a:latin typeface="Times New Roman" panose="02020603050405020304" pitchFamily="18" charset="0"/>
-              <a:cs typeface="Times New Roman" panose="02020603050405020304" pitchFamily="18" charset="0"/>
+              <a:latin typeface="Calibri" panose="020F0502020204030204" pitchFamily="34" charset="0"/>
+              <a:ea typeface="Calibri" panose="020F0502020204030204" pitchFamily="34" charset="0"/>
+              <a:cs typeface="Calibri" panose="020F0502020204030204" pitchFamily="34" charset="0"/>
             </a:endParaRPr>
           </a:p>
         </p:txBody>
@@ -7716,21 +8376,24 @@
             </a:pPr>
             <a:r>
               <a:rPr lang="ru-RU" sz="2400" dirty="0">
-                <a:latin typeface="Times New Roman" panose="02020603050405020304" pitchFamily="18" charset="0"/>
-                <a:cs typeface="Times New Roman" panose="02020603050405020304" pitchFamily="18" charset="0"/>
+                <a:latin typeface="Calibri" panose="020F0502020204030204" pitchFamily="34" charset="0"/>
+                <a:ea typeface="Calibri" panose="020F0502020204030204" pitchFamily="34" charset="0"/>
+                <a:cs typeface="Calibri" panose="020F0502020204030204" pitchFamily="34" charset="0"/>
               </a:rPr>
               <a:t>Определить назначение </a:t>
             </a:r>
             <a:r>
               <a:rPr lang="ru-RU" sz="2400" dirty="0" smtClean="0">
-                <a:latin typeface="Times New Roman" panose="02020603050405020304" pitchFamily="18" charset="0"/>
-                <a:cs typeface="Times New Roman" panose="02020603050405020304" pitchFamily="18" charset="0"/>
+                <a:latin typeface="Calibri" panose="020F0502020204030204" pitchFamily="34" charset="0"/>
+                <a:ea typeface="Calibri" panose="020F0502020204030204" pitchFamily="34" charset="0"/>
+                <a:cs typeface="Calibri" panose="020F0502020204030204" pitchFamily="34" charset="0"/>
               </a:rPr>
               <a:t>ИС</a:t>
             </a:r>
             <a:endParaRPr lang="ru-RU" sz="2400" dirty="0">
-              <a:latin typeface="Times New Roman" panose="02020603050405020304" pitchFamily="18" charset="0"/>
-              <a:cs typeface="Times New Roman" panose="02020603050405020304" pitchFamily="18" charset="0"/>
+              <a:latin typeface="Calibri" panose="020F0502020204030204" pitchFamily="34" charset="0"/>
+              <a:ea typeface="Calibri" panose="020F0502020204030204" pitchFamily="34" charset="0"/>
+              <a:cs typeface="Calibri" panose="020F0502020204030204" pitchFamily="34" charset="0"/>
             </a:endParaRPr>
           </a:p>
           <a:p>
@@ -7740,15 +8403,17 @@
             </a:pPr>
             <a:r>
               <a:rPr lang="ru-RU" sz="2400" dirty="0">
-                <a:latin typeface="Times New Roman" panose="02020603050405020304" pitchFamily="18" charset="0"/>
-                <a:cs typeface="Times New Roman" panose="02020603050405020304" pitchFamily="18" charset="0"/>
+                <a:latin typeface="Calibri" panose="020F0502020204030204" pitchFamily="34" charset="0"/>
+                <a:ea typeface="Calibri" panose="020F0502020204030204" pitchFamily="34" charset="0"/>
+                <a:cs typeface="Calibri" panose="020F0502020204030204" pitchFamily="34" charset="0"/>
               </a:rPr>
               <a:t>Выделить основной процесс и внешние </a:t>
             </a:r>
             <a:r>
               <a:rPr lang="ru-RU" sz="2400" dirty="0" smtClean="0">
-                <a:latin typeface="Times New Roman" panose="02020603050405020304" pitchFamily="18" charset="0"/>
-                <a:cs typeface="Times New Roman" panose="02020603050405020304" pitchFamily="18" charset="0"/>
+                <a:latin typeface="Calibri" panose="020F0502020204030204" pitchFamily="34" charset="0"/>
+                <a:ea typeface="Calibri" panose="020F0502020204030204" pitchFamily="34" charset="0"/>
+                <a:cs typeface="Calibri" panose="020F0502020204030204" pitchFamily="34" charset="0"/>
               </a:rPr>
               <a:t>сущности</a:t>
             </a:r>
@@ -7760,8 +8425,9 @@
             </a:pPr>
             <a:r>
               <a:rPr lang="ru-RU" sz="2400" dirty="0" smtClean="0">
-                <a:latin typeface="Times New Roman" panose="02020603050405020304" pitchFamily="18" charset="0"/>
-                <a:cs typeface="Times New Roman" panose="02020603050405020304" pitchFamily="18" charset="0"/>
+                <a:latin typeface="Calibri" panose="020F0502020204030204" pitchFamily="34" charset="0"/>
+                <a:ea typeface="Calibri" panose="020F0502020204030204" pitchFamily="34" charset="0"/>
+                <a:cs typeface="Calibri" panose="020F0502020204030204" pitchFamily="34" charset="0"/>
               </a:rPr>
               <a:t>Выделить потоки для внешних сущностей </a:t>
             </a:r>
@@ -7773,29 +8439,33 @@
             </a:pPr>
             <a:r>
               <a:rPr lang="ru-RU" sz="2400" dirty="0" smtClean="0">
-                <a:latin typeface="Times New Roman" panose="02020603050405020304" pitchFamily="18" charset="0"/>
-                <a:cs typeface="Times New Roman" panose="02020603050405020304" pitchFamily="18" charset="0"/>
+                <a:latin typeface="Calibri" panose="020F0502020204030204" pitchFamily="34" charset="0"/>
+                <a:ea typeface="Calibri" panose="020F0502020204030204" pitchFamily="34" charset="0"/>
+                <a:cs typeface="Calibri" panose="020F0502020204030204" pitchFamily="34" charset="0"/>
               </a:rPr>
               <a:t>Составить </a:t>
             </a:r>
             <a:r>
               <a:rPr lang="ru-RU" sz="2400" dirty="0">
-                <a:latin typeface="Times New Roman" panose="02020603050405020304" pitchFamily="18" charset="0"/>
-                <a:cs typeface="Times New Roman" panose="02020603050405020304" pitchFamily="18" charset="0"/>
+                <a:latin typeface="Calibri" panose="020F0502020204030204" pitchFamily="34" charset="0"/>
+                <a:ea typeface="Calibri" panose="020F0502020204030204" pitchFamily="34" charset="0"/>
+                <a:cs typeface="Calibri" panose="020F0502020204030204" pitchFamily="34" charset="0"/>
               </a:rPr>
               <a:t>контекстную диаграмму нулевого уровня </a:t>
             </a:r>
             <a:r>
               <a:rPr lang="ru-RU" sz="2400" dirty="0" smtClean="0">
-                <a:latin typeface="Times New Roman" panose="02020603050405020304" pitchFamily="18" charset="0"/>
-                <a:cs typeface="Times New Roman" panose="02020603050405020304" pitchFamily="18" charset="0"/>
+                <a:latin typeface="Calibri" panose="020F0502020204030204" pitchFamily="34" charset="0"/>
+                <a:ea typeface="Calibri" panose="020F0502020204030204" pitchFamily="34" charset="0"/>
+                <a:cs typeface="Calibri" panose="020F0502020204030204" pitchFamily="34" charset="0"/>
               </a:rPr>
               <a:t>(А-0</a:t>
             </a:r>
             <a:r>
               <a:rPr lang="ru-RU" sz="2400" dirty="0">
-                <a:latin typeface="Times New Roman" panose="02020603050405020304" pitchFamily="18" charset="0"/>
-                <a:cs typeface="Times New Roman" panose="02020603050405020304" pitchFamily="18" charset="0"/>
+                <a:latin typeface="Calibri" panose="020F0502020204030204" pitchFamily="34" charset="0"/>
+                <a:ea typeface="Calibri" panose="020F0502020204030204" pitchFamily="34" charset="0"/>
+                <a:cs typeface="Calibri" panose="020F0502020204030204" pitchFamily="34" charset="0"/>
               </a:rPr>
               <a:t>).</a:t>
             </a:r>
@@ -7807,22 +8477,25 @@
             </a:pPr>
             <a:r>
               <a:rPr lang="ru-RU" sz="2400" dirty="0">
-                <a:latin typeface="Times New Roman" panose="02020603050405020304" pitchFamily="18" charset="0"/>
-                <a:cs typeface="Times New Roman" panose="02020603050405020304" pitchFamily="18" charset="0"/>
+                <a:latin typeface="Calibri" panose="020F0502020204030204" pitchFamily="34" charset="0"/>
+                <a:ea typeface="Calibri" panose="020F0502020204030204" pitchFamily="34" charset="0"/>
+                <a:cs typeface="Calibri" panose="020F0502020204030204" pitchFamily="34" charset="0"/>
               </a:rPr>
               <a:t>Проанализировать </a:t>
             </a:r>
             <a:r>
               <a:rPr lang="ru-RU" sz="2400" dirty="0" smtClean="0">
-                <a:latin typeface="Times New Roman" panose="02020603050405020304" pitchFamily="18" charset="0"/>
-                <a:cs typeface="Times New Roman" panose="02020603050405020304" pitchFamily="18" charset="0"/>
+                <a:latin typeface="Calibri" panose="020F0502020204030204" pitchFamily="34" charset="0"/>
+                <a:ea typeface="Calibri" panose="020F0502020204030204" pitchFamily="34" charset="0"/>
+                <a:cs typeface="Calibri" panose="020F0502020204030204" pitchFamily="34" charset="0"/>
               </a:rPr>
               <a:t>события, </a:t>
             </a:r>
             <a:r>
               <a:rPr lang="ru-RU" sz="2400" dirty="0">
-                <a:latin typeface="Times New Roman" panose="02020603050405020304" pitchFamily="18" charset="0"/>
-                <a:cs typeface="Times New Roman" panose="02020603050405020304" pitchFamily="18" charset="0"/>
+                <a:latin typeface="Calibri" panose="020F0502020204030204" pitchFamily="34" charset="0"/>
+                <a:ea typeface="Calibri" panose="020F0502020204030204" pitchFamily="34" charset="0"/>
+                <a:cs typeface="Calibri" panose="020F0502020204030204" pitchFamily="34" charset="0"/>
               </a:rPr>
               <a:t>определить связи по потокам данных между сущностями, событиями, накопителями данных.</a:t>
             </a:r>
@@ -7834,28 +8507,32 @@
             </a:pPr>
             <a:r>
               <a:rPr lang="ru-RU" sz="2400" dirty="0" smtClean="0">
-                <a:latin typeface="Times New Roman" panose="02020603050405020304" pitchFamily="18" charset="0"/>
-                <a:cs typeface="Times New Roman" panose="02020603050405020304" pitchFamily="18" charset="0"/>
+                <a:latin typeface="Calibri" panose="020F0502020204030204" pitchFamily="34" charset="0"/>
+                <a:ea typeface="Calibri" panose="020F0502020204030204" pitchFamily="34" charset="0"/>
+                <a:cs typeface="Calibri" panose="020F0502020204030204" pitchFamily="34" charset="0"/>
               </a:rPr>
               <a:t>Составить </a:t>
             </a:r>
             <a:r>
               <a:rPr lang="ru-RU" sz="2400" dirty="0">
-                <a:latin typeface="Times New Roman" panose="02020603050405020304" pitchFamily="18" charset="0"/>
-                <a:cs typeface="Times New Roman" panose="02020603050405020304" pitchFamily="18" charset="0"/>
+                <a:latin typeface="Calibri" panose="020F0502020204030204" pitchFamily="34" charset="0"/>
+                <a:ea typeface="Calibri" panose="020F0502020204030204" pitchFamily="34" charset="0"/>
+                <a:cs typeface="Calibri" panose="020F0502020204030204" pitchFamily="34" charset="0"/>
               </a:rPr>
               <a:t>детализированную контекстную </a:t>
             </a:r>
             <a:r>
               <a:rPr lang="ru-RU" sz="2400" dirty="0" smtClean="0">
-                <a:latin typeface="Times New Roman" panose="02020603050405020304" pitchFamily="18" charset="0"/>
-                <a:cs typeface="Times New Roman" panose="02020603050405020304" pitchFamily="18" charset="0"/>
+                <a:latin typeface="Calibri" panose="020F0502020204030204" pitchFamily="34" charset="0"/>
+                <a:ea typeface="Calibri" panose="020F0502020204030204" pitchFamily="34" charset="0"/>
+                <a:cs typeface="Calibri" panose="020F0502020204030204" pitchFamily="34" charset="0"/>
               </a:rPr>
               <a:t>диаграмму (А0)</a:t>
             </a:r>
             <a:endParaRPr lang="ru-RU" sz="2400" dirty="0">
-              <a:latin typeface="Times New Roman" panose="02020603050405020304" pitchFamily="18" charset="0"/>
-              <a:cs typeface="Times New Roman" panose="02020603050405020304" pitchFamily="18" charset="0"/>
+              <a:latin typeface="Calibri" panose="020F0502020204030204" pitchFamily="34" charset="0"/>
+              <a:ea typeface="Calibri" panose="020F0502020204030204" pitchFamily="34" charset="0"/>
+              <a:cs typeface="Calibri" panose="020F0502020204030204" pitchFamily="34" charset="0"/>
             </a:endParaRPr>
           </a:p>
         </p:txBody>
@@ -7901,6 +8578,29 @@
           </a:extLst>
         </p:spPr>
       </p:pic>
+      <p:sp>
+        <p:nvSpPr>
+          <p:cNvPr id="5" name="Номер слайда 4"/>
+          <p:cNvSpPr>
+            <a:spLocks noGrp="1"/>
+          </p:cNvSpPr>
+          <p:nvPr>
+            <p:ph type="sldNum" sz="quarter" idx="12"/>
+          </p:nvPr>
+        </p:nvSpPr>
+        <p:spPr/>
+        <p:txBody>
+          <a:bodyPr/>
+          <a:lstStyle/>
+          <a:p>
+            <a:fld id="{98971110-AEE3-45BB-A537-DF96A19A7D14}" type="slidenum">
+              <a:rPr lang="ru-RU" smtClean="0"/>
+              <a:t>4</a:t>
+            </a:fld>
+            <a:endParaRPr lang="ru-RU"/>
+          </a:p>
+        </p:txBody>
+      </p:sp>
     </p:spTree>
     <p:extLst>
       <p:ext uri="{BB962C8B-B14F-4D97-AF65-F5344CB8AC3E}">
@@ -7951,7 +8651,7 @@
         <p:spPr>
           <a:xfrm>
             <a:off x="646111" y="452718"/>
-            <a:ext cx="9404723" cy="813374"/>
+            <a:ext cx="9550525" cy="813374"/>
           </a:xfrm>
         </p:spPr>
         <p:txBody>
@@ -7960,14 +8660,16 @@
           <a:p>
             <a:r>
               <a:rPr lang="ru-RU" dirty="0">
-                <a:latin typeface="Times New Roman" panose="02020603050405020304" pitchFamily="18" charset="0"/>
-                <a:cs typeface="Times New Roman" panose="02020603050405020304" pitchFamily="18" charset="0"/>
+                <a:latin typeface="Calibri" panose="020F0502020204030204" pitchFamily="34" charset="0"/>
+                <a:ea typeface="Calibri" panose="020F0502020204030204" pitchFamily="34" charset="0"/>
+                <a:cs typeface="Calibri" panose="020F0502020204030204" pitchFamily="34" charset="0"/>
               </a:rPr>
               <a:t>Методы и средства выполнения проекта</a:t>
             </a:r>
             <a:endParaRPr lang="ru-RU" sz="5400" dirty="0">
-              <a:latin typeface="Times New Roman" panose="02020603050405020304" pitchFamily="18" charset="0"/>
-              <a:cs typeface="Times New Roman" panose="02020603050405020304" pitchFamily="18" charset="0"/>
+              <a:latin typeface="Calibri" panose="020F0502020204030204" pitchFamily="34" charset="0"/>
+              <a:ea typeface="Calibri" panose="020F0502020204030204" pitchFamily="34" charset="0"/>
+              <a:cs typeface="Calibri" panose="020F0502020204030204" pitchFamily="34" charset="0"/>
             </a:endParaRPr>
           </a:p>
         </p:txBody>
@@ -7999,21 +8701,24 @@
             </a:pPr>
             <a:r>
               <a:rPr lang="ru-RU" sz="2400" dirty="0" smtClean="0">
-                <a:latin typeface="Times New Roman" panose="02020603050405020304" pitchFamily="18" charset="0"/>
-                <a:cs typeface="Times New Roman" panose="02020603050405020304" pitchFamily="18" charset="0"/>
+                <a:latin typeface="Calibri" panose="020F0502020204030204" pitchFamily="34" charset="0"/>
+                <a:ea typeface="Calibri" panose="020F0502020204030204" pitchFamily="34" charset="0"/>
+                <a:cs typeface="Calibri" panose="020F0502020204030204" pitchFamily="34" charset="0"/>
               </a:rPr>
               <a:t>Методология проектирования – </a:t>
             </a:r>
             <a:r>
               <a:rPr lang="en-US" sz="2400" dirty="0" smtClean="0">
-                <a:latin typeface="Times New Roman" panose="02020603050405020304" pitchFamily="18" charset="0"/>
-                <a:cs typeface="Times New Roman" panose="02020603050405020304" pitchFamily="18" charset="0"/>
+                <a:latin typeface="Calibri" panose="020F0502020204030204" pitchFamily="34" charset="0"/>
+                <a:ea typeface="Calibri" panose="020F0502020204030204" pitchFamily="34" charset="0"/>
+                <a:cs typeface="Calibri" panose="020F0502020204030204" pitchFamily="34" charset="0"/>
               </a:rPr>
               <a:t>DFD</a:t>
             </a:r>
             <a:endParaRPr lang="ru-RU" sz="2400" dirty="0">
-              <a:latin typeface="Times New Roman" panose="02020603050405020304" pitchFamily="18" charset="0"/>
-              <a:cs typeface="Times New Roman" panose="02020603050405020304" pitchFamily="18" charset="0"/>
+              <a:latin typeface="Calibri" panose="020F0502020204030204" pitchFamily="34" charset="0"/>
+              <a:ea typeface="Calibri" panose="020F0502020204030204" pitchFamily="34" charset="0"/>
+              <a:cs typeface="Calibri" panose="020F0502020204030204" pitchFamily="34" charset="0"/>
             </a:endParaRPr>
           </a:p>
         </p:txBody>
@@ -8314,28 +9019,32 @@
             </a:pPr>
             <a:r>
               <a:rPr lang="en-US" sz="2400" dirty="0" smtClean="0">
-                <a:latin typeface="Times New Roman" panose="02020603050405020304" pitchFamily="18" charset="0"/>
-                <a:cs typeface="Times New Roman" panose="02020603050405020304" pitchFamily="18" charset="0"/>
+                <a:latin typeface="Calibri" panose="020F0502020204030204" pitchFamily="34" charset="0"/>
+                <a:ea typeface="Calibri" panose="020F0502020204030204" pitchFamily="34" charset="0"/>
+                <a:cs typeface="Calibri" panose="020F0502020204030204" pitchFamily="34" charset="0"/>
               </a:rPr>
               <a:t>CASE-</a:t>
             </a:r>
             <a:r>
               <a:rPr lang="ru-RU" sz="2400" dirty="0" smtClean="0">
-                <a:latin typeface="Times New Roman" panose="02020603050405020304" pitchFamily="18" charset="0"/>
-                <a:cs typeface="Times New Roman" panose="02020603050405020304" pitchFamily="18" charset="0"/>
+                <a:latin typeface="Calibri" panose="020F0502020204030204" pitchFamily="34" charset="0"/>
+                <a:ea typeface="Calibri" panose="020F0502020204030204" pitchFamily="34" charset="0"/>
+                <a:cs typeface="Calibri" panose="020F0502020204030204" pitchFamily="34" charset="0"/>
               </a:rPr>
               <a:t>средство </a:t>
             </a:r>
             <a:r>
               <a:rPr lang="en-US" sz="2400" dirty="0" smtClean="0">
-                <a:latin typeface="Times New Roman" panose="02020603050405020304" pitchFamily="18" charset="0"/>
-                <a:cs typeface="Times New Roman" panose="02020603050405020304" pitchFamily="18" charset="0"/>
+                <a:latin typeface="Calibri" panose="020F0502020204030204" pitchFamily="34" charset="0"/>
+                <a:ea typeface="Calibri" panose="020F0502020204030204" pitchFamily="34" charset="0"/>
+                <a:cs typeface="Calibri" panose="020F0502020204030204" pitchFamily="34" charset="0"/>
               </a:rPr>
               <a:t>- Ramus</a:t>
             </a:r>
             <a:endParaRPr lang="ru-RU" sz="2400" dirty="0">
-              <a:latin typeface="Times New Roman" panose="02020603050405020304" pitchFamily="18" charset="0"/>
-              <a:cs typeface="Times New Roman" panose="02020603050405020304" pitchFamily="18" charset="0"/>
+              <a:latin typeface="Calibri" panose="020F0502020204030204" pitchFamily="34" charset="0"/>
+              <a:ea typeface="Calibri" panose="020F0502020204030204" pitchFamily="34" charset="0"/>
+              <a:cs typeface="Calibri" panose="020F0502020204030204" pitchFamily="34" charset="0"/>
             </a:endParaRPr>
           </a:p>
         </p:txBody>
@@ -8381,6 +9090,29 @@
           </a:extLst>
         </p:spPr>
       </p:pic>
+      <p:sp>
+        <p:nvSpPr>
+          <p:cNvPr id="6" name="Номер слайда 5"/>
+          <p:cNvSpPr>
+            <a:spLocks noGrp="1"/>
+          </p:cNvSpPr>
+          <p:nvPr>
+            <p:ph type="sldNum" sz="quarter" idx="12"/>
+          </p:nvPr>
+        </p:nvSpPr>
+        <p:spPr/>
+        <p:txBody>
+          <a:bodyPr/>
+          <a:lstStyle/>
+          <a:p>
+            <a:fld id="{98971110-AEE3-45BB-A537-DF96A19A7D14}" type="slidenum">
+              <a:rPr lang="ru-RU" smtClean="0"/>
+              <a:t>5</a:t>
+            </a:fld>
+            <a:endParaRPr lang="ru-RU"/>
+          </a:p>
+        </p:txBody>
+      </p:sp>
     </p:spTree>
     <p:extLst>
       <p:ext uri="{BB962C8B-B14F-4D97-AF65-F5344CB8AC3E}">
@@ -8428,21 +9160,28 @@
             <p:ph type="title"/>
           </p:nvPr>
         </p:nvSpPr>
-        <p:spPr/>
+        <p:spPr>
+          <a:xfrm>
+            <a:off x="646111" y="452718"/>
+            <a:ext cx="9404723" cy="1156274"/>
+          </a:xfrm>
+        </p:spPr>
         <p:txBody>
           <a:bodyPr/>
           <a:lstStyle/>
           <a:p>
             <a:r>
               <a:rPr lang="ru-RU" sz="5400" dirty="0" smtClean="0">
-                <a:latin typeface="Times New Roman" panose="02020603050405020304" pitchFamily="18" charset="0"/>
-                <a:cs typeface="Times New Roman" panose="02020603050405020304" pitchFamily="18" charset="0"/>
+                <a:latin typeface="Calibri" panose="020F0502020204030204" pitchFamily="34" charset="0"/>
+                <a:ea typeface="Calibri" panose="020F0502020204030204" pitchFamily="34" charset="0"/>
+                <a:cs typeface="Calibri" panose="020F0502020204030204" pitchFamily="34" charset="0"/>
               </a:rPr>
               <a:t>Назначение ИС</a:t>
             </a:r>
             <a:endParaRPr lang="ru-RU" sz="5400" dirty="0">
-              <a:latin typeface="Times New Roman" panose="02020603050405020304" pitchFamily="18" charset="0"/>
-              <a:cs typeface="Times New Roman" panose="02020603050405020304" pitchFamily="18" charset="0"/>
+              <a:latin typeface="Calibri" panose="020F0502020204030204" pitchFamily="34" charset="0"/>
+              <a:ea typeface="Calibri" panose="020F0502020204030204" pitchFamily="34" charset="0"/>
+              <a:cs typeface="Calibri" panose="020F0502020204030204" pitchFamily="34" charset="0"/>
             </a:endParaRPr>
           </a:p>
         </p:txBody>
@@ -8474,14 +9213,16 @@
             </a:pPr>
             <a:r>
               <a:rPr lang="ru-RU" sz="2400" dirty="0" smtClean="0">
-                <a:latin typeface="Times New Roman" panose="02020603050405020304" pitchFamily="18" charset="0"/>
-                <a:cs typeface="Times New Roman" panose="02020603050405020304" pitchFamily="18" charset="0"/>
+                <a:latin typeface="Calibri" panose="020F0502020204030204" pitchFamily="34" charset="0"/>
+                <a:ea typeface="Calibri" panose="020F0502020204030204" pitchFamily="34" charset="0"/>
+                <a:cs typeface="Calibri" panose="020F0502020204030204" pitchFamily="34" charset="0"/>
               </a:rPr>
               <a:t>Автоматизация внутренних и бизнес-процессов агентства</a:t>
             </a:r>
             <a:endParaRPr lang="ru-RU" sz="2400" dirty="0">
-              <a:latin typeface="Times New Roman" panose="02020603050405020304" pitchFamily="18" charset="0"/>
-              <a:cs typeface="Times New Roman" panose="02020603050405020304" pitchFamily="18" charset="0"/>
+              <a:latin typeface="Calibri" panose="020F0502020204030204" pitchFamily="34" charset="0"/>
+              <a:ea typeface="Calibri" panose="020F0502020204030204" pitchFamily="34" charset="0"/>
+              <a:cs typeface="Calibri" panose="020F0502020204030204" pitchFamily="34" charset="0"/>
             </a:endParaRPr>
           </a:p>
         </p:txBody>
@@ -8527,6 +9268,29 @@
           </a:extLst>
         </p:spPr>
       </p:pic>
+      <p:sp>
+        <p:nvSpPr>
+          <p:cNvPr id="5" name="Номер слайда 4"/>
+          <p:cNvSpPr>
+            <a:spLocks noGrp="1"/>
+          </p:cNvSpPr>
+          <p:nvPr>
+            <p:ph type="sldNum" sz="quarter" idx="12"/>
+          </p:nvPr>
+        </p:nvSpPr>
+        <p:spPr/>
+        <p:txBody>
+          <a:bodyPr/>
+          <a:lstStyle/>
+          <a:p>
+            <a:fld id="{98971110-AEE3-45BB-A537-DF96A19A7D14}" type="slidenum">
+              <a:rPr lang="ru-RU" smtClean="0"/>
+              <a:t>6</a:t>
+            </a:fld>
+            <a:endParaRPr lang="ru-RU"/>
+          </a:p>
+        </p:txBody>
+      </p:sp>
     </p:spTree>
     <p:extLst>
       <p:ext uri="{BB962C8B-B14F-4D97-AF65-F5344CB8AC3E}">
@@ -8586,26 +9350,33 @@
           <a:p>
             <a:r>
               <a:rPr lang="ru-RU" sz="5400" dirty="0" smtClean="0">
-                <a:latin typeface="Times New Roman" panose="02020603050405020304" pitchFamily="18" charset="0"/>
-                <a:cs typeface="Times New Roman" panose="02020603050405020304" pitchFamily="18" charset="0"/>
+                <a:latin typeface="Calibri" panose="020F0502020204030204" pitchFamily="34" charset="0"/>
+                <a:ea typeface="Calibri" panose="020F0502020204030204" pitchFamily="34" charset="0"/>
+                <a:cs typeface="Calibri" panose="020F0502020204030204" pitchFamily="34" charset="0"/>
               </a:rPr>
               <a:t>Основной </a:t>
             </a:r>
             <a:r>
               <a:rPr lang="ru-RU" sz="5400" dirty="0">
-                <a:latin typeface="Times New Roman" panose="02020603050405020304" pitchFamily="18" charset="0"/>
-                <a:cs typeface="Times New Roman" panose="02020603050405020304" pitchFamily="18" charset="0"/>
+                <a:latin typeface="Calibri" panose="020F0502020204030204" pitchFamily="34" charset="0"/>
+                <a:ea typeface="Calibri" panose="020F0502020204030204" pitchFamily="34" charset="0"/>
+                <a:cs typeface="Calibri" panose="020F0502020204030204" pitchFamily="34" charset="0"/>
               </a:rPr>
               <a:t>процесс и внешние </a:t>
             </a:r>
             <a:r>
               <a:rPr lang="ru-RU" sz="5400" dirty="0" smtClean="0">
-                <a:latin typeface="Times New Roman" panose="02020603050405020304" pitchFamily="18" charset="0"/>
-                <a:cs typeface="Times New Roman" panose="02020603050405020304" pitchFamily="18" charset="0"/>
+                <a:latin typeface="Calibri" panose="020F0502020204030204" pitchFamily="34" charset="0"/>
+                <a:ea typeface="Calibri" panose="020F0502020204030204" pitchFamily="34" charset="0"/>
+                <a:cs typeface="Calibri" panose="020F0502020204030204" pitchFamily="34" charset="0"/>
               </a:rPr>
               <a:t>сущности</a:t>
             </a:r>
-            <a:endParaRPr lang="ru-RU" sz="5400" dirty="0"/>
+            <a:endParaRPr lang="ru-RU" sz="5400" dirty="0">
+              <a:latin typeface="Calibri" panose="020F0502020204030204" pitchFamily="34" charset="0"/>
+              <a:ea typeface="Calibri" panose="020F0502020204030204" pitchFamily="34" charset="0"/>
+              <a:cs typeface="Calibri" panose="020F0502020204030204" pitchFamily="34" charset="0"/>
+            </a:endParaRPr>
           </a:p>
         </p:txBody>
       </p:sp>
@@ -8636,8 +9407,9 @@
             </a:pPr>
             <a:r>
               <a:rPr lang="ru-RU" sz="2400" dirty="0" smtClean="0">
-                <a:latin typeface="Times New Roman" panose="02020603050405020304" pitchFamily="18" charset="0"/>
-                <a:cs typeface="Times New Roman" panose="02020603050405020304" pitchFamily="18" charset="0"/>
+                <a:latin typeface="Calibri" panose="020F0502020204030204" pitchFamily="34" charset="0"/>
+                <a:ea typeface="Calibri" panose="020F0502020204030204" pitchFamily="34" charset="0"/>
+                <a:cs typeface="Calibri" panose="020F0502020204030204" pitchFamily="34" charset="0"/>
               </a:rPr>
               <a:t>Основной процесс: обработка заказов на изготовление наружной рекламы</a:t>
             </a:r>
@@ -8648,8 +9420,9 @@
             </a:pPr>
             <a:r>
               <a:rPr lang="ru-RU" sz="2400" dirty="0" smtClean="0">
-                <a:latin typeface="Times New Roman" panose="02020603050405020304" pitchFamily="18" charset="0"/>
-                <a:cs typeface="Times New Roman" panose="02020603050405020304" pitchFamily="18" charset="0"/>
+                <a:latin typeface="Calibri" panose="020F0502020204030204" pitchFamily="34" charset="0"/>
+                <a:ea typeface="Calibri" panose="020F0502020204030204" pitchFamily="34" charset="0"/>
+                <a:cs typeface="Calibri" panose="020F0502020204030204" pitchFamily="34" charset="0"/>
               </a:rPr>
               <a:t>Внешние сущности:</a:t>
             </a:r>
@@ -8661,8 +9434,9 @@
             </a:pPr>
             <a:r>
               <a:rPr lang="ru-RU" sz="2400" dirty="0" smtClean="0">
-                <a:latin typeface="Times New Roman" panose="02020603050405020304" pitchFamily="18" charset="0"/>
-                <a:cs typeface="Times New Roman" panose="02020603050405020304" pitchFamily="18" charset="0"/>
+                <a:latin typeface="Calibri" panose="020F0502020204030204" pitchFamily="34" charset="0"/>
+                <a:ea typeface="Calibri" panose="020F0502020204030204" pitchFamily="34" charset="0"/>
+                <a:cs typeface="Calibri" panose="020F0502020204030204" pitchFamily="34" charset="0"/>
               </a:rPr>
               <a:t>Директор</a:t>
             </a:r>
@@ -8674,8 +9448,9 @@
             </a:pPr>
             <a:r>
               <a:rPr lang="ru-RU" sz="2400" dirty="0" smtClean="0">
-                <a:latin typeface="Times New Roman" panose="02020603050405020304" pitchFamily="18" charset="0"/>
-                <a:cs typeface="Times New Roman" panose="02020603050405020304" pitchFamily="18" charset="0"/>
+                <a:latin typeface="Calibri" panose="020F0502020204030204" pitchFamily="34" charset="0"/>
+                <a:ea typeface="Calibri" panose="020F0502020204030204" pitchFamily="34" charset="0"/>
+                <a:cs typeface="Calibri" panose="020F0502020204030204" pitchFamily="34" charset="0"/>
               </a:rPr>
               <a:t>Макетчик</a:t>
             </a:r>
@@ -8687,8 +9462,9 @@
             </a:pPr>
             <a:r>
               <a:rPr lang="ru-RU" sz="2400" dirty="0" smtClean="0">
-                <a:latin typeface="Times New Roman" panose="02020603050405020304" pitchFamily="18" charset="0"/>
-                <a:cs typeface="Times New Roman" panose="02020603050405020304" pitchFamily="18" charset="0"/>
+                <a:latin typeface="Calibri" panose="020F0502020204030204" pitchFamily="34" charset="0"/>
+                <a:ea typeface="Calibri" panose="020F0502020204030204" pitchFamily="34" charset="0"/>
+                <a:cs typeface="Calibri" panose="020F0502020204030204" pitchFamily="34" charset="0"/>
               </a:rPr>
               <a:t>Мастер</a:t>
             </a:r>
@@ -8700,8 +9476,9 @@
             </a:pPr>
             <a:r>
               <a:rPr lang="ru-RU" sz="2400" dirty="0" smtClean="0">
-                <a:latin typeface="Times New Roman" panose="02020603050405020304" pitchFamily="18" charset="0"/>
-                <a:cs typeface="Times New Roman" panose="02020603050405020304" pitchFamily="18" charset="0"/>
+                <a:latin typeface="Calibri" panose="020F0502020204030204" pitchFamily="34" charset="0"/>
+                <a:ea typeface="Calibri" panose="020F0502020204030204" pitchFamily="34" charset="0"/>
+                <a:cs typeface="Calibri" panose="020F0502020204030204" pitchFamily="34" charset="0"/>
               </a:rPr>
               <a:t>Клиент</a:t>
             </a:r>
@@ -8713,14 +9490,16 @@
             </a:pPr>
             <a:r>
               <a:rPr lang="ru-RU" sz="2400" dirty="0" smtClean="0">
-                <a:latin typeface="Times New Roman" panose="02020603050405020304" pitchFamily="18" charset="0"/>
-                <a:cs typeface="Times New Roman" panose="02020603050405020304" pitchFamily="18" charset="0"/>
+                <a:latin typeface="Calibri" panose="020F0502020204030204" pitchFamily="34" charset="0"/>
+                <a:ea typeface="Calibri" panose="020F0502020204030204" pitchFamily="34" charset="0"/>
+                <a:cs typeface="Calibri" panose="020F0502020204030204" pitchFamily="34" charset="0"/>
               </a:rPr>
               <a:t>Поставщик</a:t>
             </a:r>
             <a:endParaRPr lang="ru-RU" sz="2400" dirty="0">
-              <a:latin typeface="Times New Roman" panose="02020603050405020304" pitchFamily="18" charset="0"/>
-              <a:cs typeface="Times New Roman" panose="02020603050405020304" pitchFamily="18" charset="0"/>
+              <a:latin typeface="Calibri" panose="020F0502020204030204" pitchFamily="34" charset="0"/>
+              <a:ea typeface="Calibri" panose="020F0502020204030204" pitchFamily="34" charset="0"/>
+              <a:cs typeface="Calibri" panose="020F0502020204030204" pitchFamily="34" charset="0"/>
             </a:endParaRPr>
           </a:p>
         </p:txBody>
@@ -8848,6 +9627,29 @@
           </a:extLst>
         </p:spPr>
       </p:pic>
+      <p:sp>
+        <p:nvSpPr>
+          <p:cNvPr id="5" name="Номер слайда 4"/>
+          <p:cNvSpPr>
+            <a:spLocks noGrp="1"/>
+          </p:cNvSpPr>
+          <p:nvPr>
+            <p:ph type="sldNum" sz="quarter" idx="12"/>
+          </p:nvPr>
+        </p:nvSpPr>
+        <p:spPr/>
+        <p:txBody>
+          <a:bodyPr/>
+          <a:lstStyle/>
+          <a:p>
+            <a:fld id="{98971110-AEE3-45BB-A537-DF96A19A7D14}" type="slidenum">
+              <a:rPr lang="ru-RU" smtClean="0"/>
+              <a:t>7</a:t>
+            </a:fld>
+            <a:endParaRPr lang="ru-RU"/>
+          </a:p>
+        </p:txBody>
+      </p:sp>
     </p:spTree>
     <p:extLst>
       <p:ext uri="{BB962C8B-B14F-4D97-AF65-F5344CB8AC3E}">
@@ -8907,19 +9709,20 @@
           <a:p>
             <a:r>
               <a:rPr lang="ru-RU" sz="5400" dirty="0" smtClean="0">
-                <a:latin typeface="Times New Roman" panose="02020603050405020304" pitchFamily="18" charset="0"/>
-                <a:cs typeface="Times New Roman" panose="02020603050405020304" pitchFamily="18" charset="0"/>
+                <a:latin typeface="Calibri" panose="020F0502020204030204" pitchFamily="34" charset="0"/>
+                <a:ea typeface="Calibri" panose="020F0502020204030204" pitchFamily="34" charset="0"/>
+                <a:cs typeface="Calibri" panose="020F0502020204030204" pitchFamily="34" charset="0"/>
               </a:rPr>
               <a:t>Потоки </a:t>
             </a:r>
             <a:r>
               <a:rPr lang="ru-RU" sz="5400" dirty="0">
-                <a:latin typeface="Times New Roman" panose="02020603050405020304" pitchFamily="18" charset="0"/>
-                <a:cs typeface="Times New Roman" panose="02020603050405020304" pitchFamily="18" charset="0"/>
+                <a:latin typeface="Calibri" panose="020F0502020204030204" pitchFamily="34" charset="0"/>
+                <a:ea typeface="Calibri" panose="020F0502020204030204" pitchFamily="34" charset="0"/>
+                <a:cs typeface="Calibri" panose="020F0502020204030204" pitchFamily="34" charset="0"/>
               </a:rPr>
               <a:t>для внешних сущностей</a:t>
             </a:r>
-            <a:endParaRPr lang="ru-RU" sz="5400" dirty="0"/>
           </a:p>
         </p:txBody>
       </p:sp>
@@ -8933,7 +9736,7 @@
             <p:ph idx="1"/>
             <p:extLst>
               <p:ext uri="{D42A27DB-BD31-4B8C-83A1-F6EECF244321}">
-                <p14:modId xmlns:p14="http://schemas.microsoft.com/office/powerpoint/2010/main" val="3430368763"/>
+                <p14:modId xmlns:p14="http://schemas.microsoft.com/office/powerpoint/2010/main" val="2052919457"/>
               </p:ext>
             </p:extLst>
           </p:nvPr>
@@ -8979,14 +9782,16 @@
                     <a:p>
                       <a:r>
                         <a:rPr lang="ru-RU" sz="2400" dirty="0" smtClean="0">
-                          <a:latin typeface="Times New Roman" panose="02020603050405020304" pitchFamily="18" charset="0"/>
-                          <a:cs typeface="Times New Roman" panose="02020603050405020304" pitchFamily="18" charset="0"/>
+                          <a:latin typeface="Calibri" panose="020F0502020204030204" pitchFamily="34" charset="0"/>
+                          <a:ea typeface="Calibri" panose="020F0502020204030204" pitchFamily="34" charset="0"/>
+                          <a:cs typeface="Calibri" panose="020F0502020204030204" pitchFamily="34" charset="0"/>
                         </a:rPr>
                         <a:t>Сущность</a:t>
                       </a:r>
                       <a:endParaRPr lang="ru-RU" sz="2400" dirty="0">
-                        <a:latin typeface="Times New Roman" panose="02020603050405020304" pitchFamily="18" charset="0"/>
-                        <a:cs typeface="Times New Roman" panose="02020603050405020304" pitchFamily="18" charset="0"/>
+                        <a:latin typeface="Calibri" panose="020F0502020204030204" pitchFamily="34" charset="0"/>
+                        <a:ea typeface="Calibri" panose="020F0502020204030204" pitchFamily="34" charset="0"/>
+                        <a:cs typeface="Calibri" panose="020F0502020204030204" pitchFamily="34" charset="0"/>
                       </a:endParaRPr>
                     </a:p>
                   </a:txBody>
@@ -8999,14 +9804,16 @@
                     <a:p>
                       <a:r>
                         <a:rPr lang="ru-RU" sz="2400" dirty="0" smtClean="0">
-                          <a:latin typeface="Times New Roman" panose="02020603050405020304" pitchFamily="18" charset="0"/>
-                          <a:cs typeface="Times New Roman" panose="02020603050405020304" pitchFamily="18" charset="0"/>
+                          <a:latin typeface="Calibri" panose="020F0502020204030204" pitchFamily="34" charset="0"/>
+                          <a:ea typeface="Calibri" panose="020F0502020204030204" pitchFamily="34" charset="0"/>
+                          <a:cs typeface="Calibri" panose="020F0502020204030204" pitchFamily="34" charset="0"/>
                         </a:rPr>
                         <a:t>Вход. поток</a:t>
                       </a:r>
                       <a:endParaRPr lang="ru-RU" sz="2400" dirty="0">
-                        <a:latin typeface="Times New Roman" panose="02020603050405020304" pitchFamily="18" charset="0"/>
-                        <a:cs typeface="Times New Roman" panose="02020603050405020304" pitchFamily="18" charset="0"/>
+                        <a:latin typeface="Calibri" panose="020F0502020204030204" pitchFamily="34" charset="0"/>
+                        <a:ea typeface="Calibri" panose="020F0502020204030204" pitchFamily="34" charset="0"/>
+                        <a:cs typeface="Calibri" panose="020F0502020204030204" pitchFamily="34" charset="0"/>
                       </a:endParaRPr>
                     </a:p>
                   </a:txBody>
@@ -9019,14 +9826,16 @@
                     <a:p>
                       <a:r>
                         <a:rPr lang="ru-RU" sz="2400" dirty="0" smtClean="0">
-                          <a:latin typeface="Times New Roman" panose="02020603050405020304" pitchFamily="18" charset="0"/>
-                          <a:cs typeface="Times New Roman" panose="02020603050405020304" pitchFamily="18" charset="0"/>
+                          <a:latin typeface="Calibri" panose="020F0502020204030204" pitchFamily="34" charset="0"/>
+                          <a:ea typeface="Calibri" panose="020F0502020204030204" pitchFamily="34" charset="0"/>
+                          <a:cs typeface="Calibri" panose="020F0502020204030204" pitchFamily="34" charset="0"/>
                         </a:rPr>
                         <a:t>Выход. Поток</a:t>
                       </a:r>
                       <a:endParaRPr lang="ru-RU" sz="2400" dirty="0">
-                        <a:latin typeface="Times New Roman" panose="02020603050405020304" pitchFamily="18" charset="0"/>
-                        <a:cs typeface="Times New Roman" panose="02020603050405020304" pitchFamily="18" charset="0"/>
+                        <a:latin typeface="Calibri" panose="020F0502020204030204" pitchFamily="34" charset="0"/>
+                        <a:ea typeface="Calibri" panose="020F0502020204030204" pitchFamily="34" charset="0"/>
+                        <a:cs typeface="Calibri" panose="020F0502020204030204" pitchFamily="34" charset="0"/>
                       </a:endParaRPr>
                     </a:p>
                   </a:txBody>
@@ -9046,14 +9855,16 @@
                     <a:p>
                       <a:r>
                         <a:rPr lang="ru-RU" sz="2400" dirty="0" smtClean="0">
-                          <a:latin typeface="Times New Roman" panose="02020603050405020304" pitchFamily="18" charset="0"/>
-                          <a:cs typeface="Times New Roman" panose="02020603050405020304" pitchFamily="18" charset="0"/>
+                          <a:latin typeface="Calibri" panose="020F0502020204030204" pitchFamily="34" charset="0"/>
+                          <a:ea typeface="Calibri" panose="020F0502020204030204" pitchFamily="34" charset="0"/>
+                          <a:cs typeface="Calibri" panose="020F0502020204030204" pitchFamily="34" charset="0"/>
                         </a:rPr>
                         <a:t>Директор</a:t>
                       </a:r>
                       <a:endParaRPr lang="ru-RU" sz="2400" dirty="0">
-                        <a:latin typeface="Times New Roman" panose="02020603050405020304" pitchFamily="18" charset="0"/>
-                        <a:cs typeface="Times New Roman" panose="02020603050405020304" pitchFamily="18" charset="0"/>
+                        <a:latin typeface="Calibri" panose="020F0502020204030204" pitchFamily="34" charset="0"/>
+                        <a:ea typeface="Calibri" panose="020F0502020204030204" pitchFamily="34" charset="0"/>
+                        <a:cs typeface="Calibri" panose="020F0502020204030204" pitchFamily="34" charset="0"/>
                       </a:endParaRPr>
                     </a:p>
                   </a:txBody>
@@ -9066,8 +9877,9 @@
                     <a:p>
                       <a:r>
                         <a:rPr lang="ru-RU" sz="2400" dirty="0" smtClean="0">
-                          <a:latin typeface="Times New Roman" panose="02020603050405020304" pitchFamily="18" charset="0"/>
-                          <a:cs typeface="Times New Roman" panose="02020603050405020304" pitchFamily="18" charset="0"/>
+                          <a:latin typeface="Calibri" panose="020F0502020204030204" pitchFamily="34" charset="0"/>
+                          <a:ea typeface="Calibri" panose="020F0502020204030204" pitchFamily="34" charset="0"/>
+                          <a:cs typeface="Calibri" panose="020F0502020204030204" pitchFamily="34" charset="0"/>
                         </a:rPr>
                         <a:t>Данные заказа</a:t>
                       </a:r>
@@ -9075,21 +9887,24 @@
                     <a:p>
                       <a:r>
                         <a:rPr lang="ru-RU" sz="2400" dirty="0" smtClean="0">
-                          <a:latin typeface="Times New Roman" panose="02020603050405020304" pitchFamily="18" charset="0"/>
-                          <a:cs typeface="Times New Roman" panose="02020603050405020304" pitchFamily="18" charset="0"/>
+                          <a:latin typeface="Calibri" panose="020F0502020204030204" pitchFamily="34" charset="0"/>
+                          <a:ea typeface="Calibri" panose="020F0502020204030204" pitchFamily="34" charset="0"/>
+                          <a:cs typeface="Calibri" panose="020F0502020204030204" pitchFamily="34" charset="0"/>
                         </a:rPr>
                         <a:t>Данные</a:t>
                       </a:r>
                       <a:r>
                         <a:rPr lang="ru-RU" sz="2400" baseline="0" dirty="0" smtClean="0">
-                          <a:latin typeface="Times New Roman" panose="02020603050405020304" pitchFamily="18" charset="0"/>
-                          <a:cs typeface="Times New Roman" panose="02020603050405020304" pitchFamily="18" charset="0"/>
+                          <a:latin typeface="Calibri" panose="020F0502020204030204" pitchFamily="34" charset="0"/>
+                          <a:ea typeface="Calibri" panose="020F0502020204030204" pitchFamily="34" charset="0"/>
+                          <a:cs typeface="Calibri" panose="020F0502020204030204" pitchFamily="34" charset="0"/>
                         </a:rPr>
                         <a:t> макета</a:t>
                       </a:r>
                       <a:endParaRPr lang="ru-RU" sz="2400" dirty="0">
-                        <a:latin typeface="Times New Roman" panose="02020603050405020304" pitchFamily="18" charset="0"/>
-                        <a:cs typeface="Times New Roman" panose="02020603050405020304" pitchFamily="18" charset="0"/>
+                        <a:latin typeface="Calibri" panose="020F0502020204030204" pitchFamily="34" charset="0"/>
+                        <a:ea typeface="Calibri" panose="020F0502020204030204" pitchFamily="34" charset="0"/>
+                        <a:cs typeface="Calibri" panose="020F0502020204030204" pitchFamily="34" charset="0"/>
                       </a:endParaRPr>
                     </a:p>
                   </a:txBody>
@@ -9102,8 +9917,9 @@
                     <a:p>
                       <a:r>
                         <a:rPr lang="ru-RU" sz="2400" dirty="0" smtClean="0">
-                          <a:latin typeface="Times New Roman" panose="02020603050405020304" pitchFamily="18" charset="0"/>
-                          <a:cs typeface="Times New Roman" panose="02020603050405020304" pitchFamily="18" charset="0"/>
+                          <a:latin typeface="Calibri" panose="020F0502020204030204" pitchFamily="34" charset="0"/>
+                          <a:ea typeface="Calibri" panose="020F0502020204030204" pitchFamily="34" charset="0"/>
+                          <a:cs typeface="Calibri" panose="020F0502020204030204" pitchFamily="34" charset="0"/>
                         </a:rPr>
                         <a:t>Данные встречи</a:t>
                       </a:r>
@@ -9111,8 +9927,9 @@
                     <a:p>
                       <a:r>
                         <a:rPr lang="ru-RU" sz="2400" dirty="0" smtClean="0">
-                          <a:latin typeface="Times New Roman" panose="02020603050405020304" pitchFamily="18" charset="0"/>
-                          <a:cs typeface="Times New Roman" panose="02020603050405020304" pitchFamily="18" charset="0"/>
+                          <a:latin typeface="Calibri" panose="020F0502020204030204" pitchFamily="34" charset="0"/>
+                          <a:ea typeface="Calibri" panose="020F0502020204030204" pitchFamily="34" charset="0"/>
+                          <a:cs typeface="Calibri" panose="020F0502020204030204" pitchFamily="34" charset="0"/>
                         </a:rPr>
                         <a:t>Обновление заказа</a:t>
                       </a:r>
@@ -9120,14 +9937,16 @@
                     <a:p>
                       <a:r>
                         <a:rPr lang="ru-RU" sz="2400" dirty="0" smtClean="0">
-                          <a:latin typeface="Times New Roman" panose="02020603050405020304" pitchFamily="18" charset="0"/>
-                          <a:cs typeface="Times New Roman" panose="02020603050405020304" pitchFamily="18" charset="0"/>
+                          <a:latin typeface="Calibri" panose="020F0502020204030204" pitchFamily="34" charset="0"/>
+                          <a:ea typeface="Calibri" panose="020F0502020204030204" pitchFamily="34" charset="0"/>
+                          <a:cs typeface="Calibri" panose="020F0502020204030204" pitchFamily="34" charset="0"/>
                         </a:rPr>
                         <a:t>Договор для поставщика</a:t>
                       </a:r>
                       <a:endParaRPr lang="ru-RU" sz="2400" dirty="0">
-                        <a:latin typeface="Times New Roman" panose="02020603050405020304" pitchFamily="18" charset="0"/>
-                        <a:cs typeface="Times New Roman" panose="02020603050405020304" pitchFamily="18" charset="0"/>
+                        <a:latin typeface="Calibri" panose="020F0502020204030204" pitchFamily="34" charset="0"/>
+                        <a:ea typeface="Calibri" panose="020F0502020204030204" pitchFamily="34" charset="0"/>
+                        <a:cs typeface="Calibri" panose="020F0502020204030204" pitchFamily="34" charset="0"/>
                       </a:endParaRPr>
                     </a:p>
                   </a:txBody>
@@ -9147,14 +9966,16 @@
                     <a:p>
                       <a:r>
                         <a:rPr lang="ru-RU" sz="2400" dirty="0" smtClean="0">
-                          <a:latin typeface="Times New Roman" panose="02020603050405020304" pitchFamily="18" charset="0"/>
-                          <a:cs typeface="Times New Roman" panose="02020603050405020304" pitchFamily="18" charset="0"/>
+                          <a:latin typeface="Calibri" panose="020F0502020204030204" pitchFamily="34" charset="0"/>
+                          <a:ea typeface="Calibri" panose="020F0502020204030204" pitchFamily="34" charset="0"/>
+                          <a:cs typeface="Calibri" panose="020F0502020204030204" pitchFamily="34" charset="0"/>
                         </a:rPr>
                         <a:t>Макетчик</a:t>
                       </a:r>
                       <a:endParaRPr lang="ru-RU" sz="2400" dirty="0">
-                        <a:latin typeface="Times New Roman" panose="02020603050405020304" pitchFamily="18" charset="0"/>
-                        <a:cs typeface="Times New Roman" panose="02020603050405020304" pitchFamily="18" charset="0"/>
+                        <a:latin typeface="Calibri" panose="020F0502020204030204" pitchFamily="34" charset="0"/>
+                        <a:ea typeface="Calibri" panose="020F0502020204030204" pitchFamily="34" charset="0"/>
+                        <a:cs typeface="Calibri" panose="020F0502020204030204" pitchFamily="34" charset="0"/>
                       </a:endParaRPr>
                     </a:p>
                   </a:txBody>
@@ -9167,8 +9988,9 @@
                     <a:p>
                       <a:r>
                         <a:rPr lang="ru-RU" sz="2400" dirty="0" smtClean="0">
-                          <a:latin typeface="Times New Roman" panose="02020603050405020304" pitchFamily="18" charset="0"/>
-                          <a:cs typeface="Times New Roman" panose="02020603050405020304" pitchFamily="18" charset="0"/>
+                          <a:latin typeface="Calibri" panose="020F0502020204030204" pitchFamily="34" charset="0"/>
+                          <a:ea typeface="Calibri" panose="020F0502020204030204" pitchFamily="34" charset="0"/>
+                          <a:cs typeface="Calibri" panose="020F0502020204030204" pitchFamily="34" charset="0"/>
                         </a:rPr>
                         <a:t>Данные заказа</a:t>
                       </a:r>
@@ -9176,14 +9998,16 @@
                     <a:p>
                       <a:r>
                         <a:rPr lang="ru-RU" sz="2400" dirty="0" smtClean="0">
-                          <a:latin typeface="Times New Roman" panose="02020603050405020304" pitchFamily="18" charset="0"/>
-                          <a:cs typeface="Times New Roman" panose="02020603050405020304" pitchFamily="18" charset="0"/>
+                          <a:latin typeface="Calibri" panose="020F0502020204030204" pitchFamily="34" charset="0"/>
+                          <a:ea typeface="Calibri" panose="020F0502020204030204" pitchFamily="34" charset="0"/>
+                          <a:cs typeface="Calibri" panose="020F0502020204030204" pitchFamily="34" charset="0"/>
                         </a:rPr>
                         <a:t>Данные по изменениям</a:t>
                       </a:r>
                       <a:endParaRPr lang="ru-RU" sz="2400" dirty="0">
-                        <a:latin typeface="Times New Roman" panose="02020603050405020304" pitchFamily="18" charset="0"/>
-                        <a:cs typeface="Times New Roman" panose="02020603050405020304" pitchFamily="18" charset="0"/>
+                        <a:latin typeface="Calibri" panose="020F0502020204030204" pitchFamily="34" charset="0"/>
+                        <a:ea typeface="Calibri" panose="020F0502020204030204" pitchFamily="34" charset="0"/>
+                        <a:cs typeface="Calibri" panose="020F0502020204030204" pitchFamily="34" charset="0"/>
                       </a:endParaRPr>
                     </a:p>
                   </a:txBody>
@@ -9196,14 +10020,16 @@
                     <a:p>
                       <a:r>
                         <a:rPr lang="ru-RU" sz="2400" dirty="0" smtClean="0">
-                          <a:latin typeface="Times New Roman" panose="02020603050405020304" pitchFamily="18" charset="0"/>
-                          <a:cs typeface="Times New Roman" panose="02020603050405020304" pitchFamily="18" charset="0"/>
+                          <a:latin typeface="Calibri" panose="020F0502020204030204" pitchFamily="34" charset="0"/>
+                          <a:ea typeface="Calibri" panose="020F0502020204030204" pitchFamily="34" charset="0"/>
+                          <a:cs typeface="Calibri" panose="020F0502020204030204" pitchFamily="34" charset="0"/>
                         </a:rPr>
                         <a:t>Данные макета</a:t>
                       </a:r>
                       <a:endParaRPr lang="ru-RU" sz="2400" dirty="0">
-                        <a:latin typeface="Times New Roman" panose="02020603050405020304" pitchFamily="18" charset="0"/>
-                        <a:cs typeface="Times New Roman" panose="02020603050405020304" pitchFamily="18" charset="0"/>
+                        <a:latin typeface="Calibri" panose="020F0502020204030204" pitchFamily="34" charset="0"/>
+                        <a:ea typeface="Calibri" panose="020F0502020204030204" pitchFamily="34" charset="0"/>
+                        <a:cs typeface="Calibri" panose="020F0502020204030204" pitchFamily="34" charset="0"/>
                       </a:endParaRPr>
                     </a:p>
                   </a:txBody>
@@ -9223,14 +10049,16 @@
                     <a:p>
                       <a:r>
                         <a:rPr lang="ru-RU" sz="2400" dirty="0" smtClean="0">
-                          <a:latin typeface="Times New Roman" panose="02020603050405020304" pitchFamily="18" charset="0"/>
-                          <a:cs typeface="Times New Roman" panose="02020603050405020304" pitchFamily="18" charset="0"/>
+                          <a:latin typeface="Calibri" panose="020F0502020204030204" pitchFamily="34" charset="0"/>
+                          <a:ea typeface="Calibri" panose="020F0502020204030204" pitchFamily="34" charset="0"/>
+                          <a:cs typeface="Calibri" panose="020F0502020204030204" pitchFamily="34" charset="0"/>
                         </a:rPr>
                         <a:t>Мастер</a:t>
                       </a:r>
                       <a:endParaRPr lang="ru-RU" sz="2400" dirty="0">
-                        <a:latin typeface="Times New Roman" panose="02020603050405020304" pitchFamily="18" charset="0"/>
-                        <a:cs typeface="Times New Roman" panose="02020603050405020304" pitchFamily="18" charset="0"/>
+                        <a:latin typeface="Calibri" panose="020F0502020204030204" pitchFamily="34" charset="0"/>
+                        <a:ea typeface="Calibri" panose="020F0502020204030204" pitchFamily="34" charset="0"/>
+                        <a:cs typeface="Calibri" panose="020F0502020204030204" pitchFamily="34" charset="0"/>
                       </a:endParaRPr>
                     </a:p>
                   </a:txBody>
@@ -9243,8 +10071,9 @@
                     <a:p>
                       <a:r>
                         <a:rPr lang="ru-RU" sz="2400" dirty="0" smtClean="0">
-                          <a:latin typeface="Times New Roman" panose="02020603050405020304" pitchFamily="18" charset="0"/>
-                          <a:cs typeface="Times New Roman" panose="02020603050405020304" pitchFamily="18" charset="0"/>
+                          <a:latin typeface="Calibri" panose="020F0502020204030204" pitchFamily="34" charset="0"/>
+                          <a:ea typeface="Calibri" panose="020F0502020204030204" pitchFamily="34" charset="0"/>
+                          <a:cs typeface="Calibri" panose="020F0502020204030204" pitchFamily="34" charset="0"/>
                         </a:rPr>
                         <a:t>Данные макета</a:t>
                       </a:r>
@@ -9252,14 +10081,16 @@
                     <a:p>
                       <a:r>
                         <a:rPr lang="ru-RU" sz="2400" dirty="0" smtClean="0">
-                          <a:latin typeface="Times New Roman" panose="02020603050405020304" pitchFamily="18" charset="0"/>
-                          <a:cs typeface="Times New Roman" panose="02020603050405020304" pitchFamily="18" charset="0"/>
+                          <a:latin typeface="Calibri" panose="020F0502020204030204" pitchFamily="34" charset="0"/>
+                          <a:ea typeface="Calibri" panose="020F0502020204030204" pitchFamily="34" charset="0"/>
+                          <a:cs typeface="Calibri" panose="020F0502020204030204" pitchFamily="34" charset="0"/>
                         </a:rPr>
                         <a:t>Статус подготовки материалов</a:t>
                       </a:r>
                       <a:endParaRPr lang="ru-RU" sz="2400" dirty="0">
-                        <a:latin typeface="Times New Roman" panose="02020603050405020304" pitchFamily="18" charset="0"/>
-                        <a:cs typeface="Times New Roman" panose="02020603050405020304" pitchFamily="18" charset="0"/>
+                        <a:latin typeface="Calibri" panose="020F0502020204030204" pitchFamily="34" charset="0"/>
+                        <a:ea typeface="Calibri" panose="020F0502020204030204" pitchFamily="34" charset="0"/>
+                        <a:cs typeface="Calibri" panose="020F0502020204030204" pitchFamily="34" charset="0"/>
                       </a:endParaRPr>
                     </a:p>
                   </a:txBody>
@@ -9272,15 +10103,17 @@
                     <a:p>
                       <a:r>
                         <a:rPr lang="ru-RU" sz="2400" dirty="0" smtClean="0">
-                          <a:latin typeface="Times New Roman" panose="02020603050405020304" pitchFamily="18" charset="0"/>
-                          <a:cs typeface="Times New Roman" panose="02020603050405020304" pitchFamily="18" charset="0"/>
+                          <a:latin typeface="Calibri" panose="020F0502020204030204" pitchFamily="34" charset="0"/>
+                          <a:ea typeface="Calibri" panose="020F0502020204030204" pitchFamily="34" charset="0"/>
+                          <a:cs typeface="Calibri" panose="020F0502020204030204" pitchFamily="34" charset="0"/>
                         </a:rPr>
                         <a:t>Данные необходимых</a:t>
                       </a:r>
                       <a:r>
                         <a:rPr lang="ru-RU" sz="2400" baseline="0" dirty="0" smtClean="0">
-                          <a:latin typeface="Times New Roman" panose="02020603050405020304" pitchFamily="18" charset="0"/>
-                          <a:cs typeface="Times New Roman" panose="02020603050405020304" pitchFamily="18" charset="0"/>
+                          <a:latin typeface="Calibri" panose="020F0502020204030204" pitchFamily="34" charset="0"/>
+                          <a:ea typeface="Calibri" panose="020F0502020204030204" pitchFamily="34" charset="0"/>
+                          <a:cs typeface="Calibri" panose="020F0502020204030204" pitchFamily="34" charset="0"/>
                         </a:rPr>
                         <a:t> материалов</a:t>
                       </a:r>
@@ -9288,14 +10121,16 @@
                     <a:p>
                       <a:r>
                         <a:rPr lang="ru-RU" sz="2400" baseline="0" dirty="0" smtClean="0">
-                          <a:latin typeface="Times New Roman" panose="02020603050405020304" pitchFamily="18" charset="0"/>
-                          <a:cs typeface="Times New Roman" panose="02020603050405020304" pitchFamily="18" charset="0"/>
+                          <a:latin typeface="Calibri" panose="020F0502020204030204" pitchFamily="34" charset="0"/>
+                          <a:ea typeface="Calibri" panose="020F0502020204030204" pitchFamily="34" charset="0"/>
+                          <a:cs typeface="Calibri" panose="020F0502020204030204" pitchFamily="34" charset="0"/>
                         </a:rPr>
                         <a:t>Статус готовности заказа</a:t>
                       </a:r>
                       <a:endParaRPr lang="ru-RU" sz="2400" dirty="0">
-                        <a:latin typeface="Times New Roman" panose="02020603050405020304" pitchFamily="18" charset="0"/>
-                        <a:cs typeface="Times New Roman" panose="02020603050405020304" pitchFamily="18" charset="0"/>
+                        <a:latin typeface="Calibri" panose="020F0502020204030204" pitchFamily="34" charset="0"/>
+                        <a:ea typeface="Calibri" panose="020F0502020204030204" pitchFamily="34" charset="0"/>
+                        <a:cs typeface="Calibri" panose="020F0502020204030204" pitchFamily="34" charset="0"/>
                       </a:endParaRPr>
                     </a:p>
                   </a:txBody>
@@ -9315,14 +10150,16 @@
                     <a:p>
                       <a:r>
                         <a:rPr lang="ru-RU" sz="2400" dirty="0" smtClean="0">
-                          <a:latin typeface="Times New Roman" panose="02020603050405020304" pitchFamily="18" charset="0"/>
-                          <a:cs typeface="Times New Roman" panose="02020603050405020304" pitchFamily="18" charset="0"/>
+                          <a:latin typeface="Calibri" panose="020F0502020204030204" pitchFamily="34" charset="0"/>
+                          <a:ea typeface="Calibri" panose="020F0502020204030204" pitchFamily="34" charset="0"/>
+                          <a:cs typeface="Calibri" panose="020F0502020204030204" pitchFamily="34" charset="0"/>
                         </a:rPr>
                         <a:t>Клиент</a:t>
                       </a:r>
                       <a:endParaRPr lang="ru-RU" sz="2400" dirty="0">
-                        <a:latin typeface="Times New Roman" panose="02020603050405020304" pitchFamily="18" charset="0"/>
-                        <a:cs typeface="Times New Roman" panose="02020603050405020304" pitchFamily="18" charset="0"/>
+                        <a:latin typeface="Calibri" panose="020F0502020204030204" pitchFamily="34" charset="0"/>
+                        <a:ea typeface="Calibri" panose="020F0502020204030204" pitchFamily="34" charset="0"/>
+                        <a:cs typeface="Calibri" panose="020F0502020204030204" pitchFamily="34" charset="0"/>
                       </a:endParaRPr>
                     </a:p>
                   </a:txBody>
@@ -9335,8 +10172,9 @@
                     <a:p>
                       <a:r>
                         <a:rPr lang="ru-RU" sz="2400" dirty="0" smtClean="0">
-                          <a:latin typeface="Times New Roman" panose="02020603050405020304" pitchFamily="18" charset="0"/>
-                          <a:cs typeface="Times New Roman" panose="02020603050405020304" pitchFamily="18" charset="0"/>
+                          <a:latin typeface="Calibri" panose="020F0502020204030204" pitchFamily="34" charset="0"/>
+                          <a:ea typeface="Calibri" panose="020F0502020204030204" pitchFamily="34" charset="0"/>
+                          <a:cs typeface="Calibri" panose="020F0502020204030204" pitchFamily="34" charset="0"/>
                         </a:rPr>
                         <a:t>Данные встречи</a:t>
                       </a:r>
@@ -9344,14 +10182,16 @@
                     <a:p>
                       <a:r>
                         <a:rPr lang="ru-RU" sz="2400" dirty="0" smtClean="0">
-                          <a:latin typeface="Times New Roman" panose="02020603050405020304" pitchFamily="18" charset="0"/>
-                          <a:cs typeface="Times New Roman" panose="02020603050405020304" pitchFamily="18" charset="0"/>
+                          <a:latin typeface="Calibri" panose="020F0502020204030204" pitchFamily="34" charset="0"/>
+                          <a:ea typeface="Calibri" panose="020F0502020204030204" pitchFamily="34" charset="0"/>
+                          <a:cs typeface="Calibri" panose="020F0502020204030204" pitchFamily="34" charset="0"/>
                         </a:rPr>
                         <a:t>Статус готовности заказа</a:t>
                       </a:r>
                       <a:endParaRPr lang="ru-RU" sz="2400" dirty="0">
-                        <a:latin typeface="Times New Roman" panose="02020603050405020304" pitchFamily="18" charset="0"/>
-                        <a:cs typeface="Times New Roman" panose="02020603050405020304" pitchFamily="18" charset="0"/>
+                        <a:latin typeface="Calibri" panose="020F0502020204030204" pitchFamily="34" charset="0"/>
+                        <a:ea typeface="Calibri" panose="020F0502020204030204" pitchFamily="34" charset="0"/>
+                        <a:cs typeface="Calibri" panose="020F0502020204030204" pitchFamily="34" charset="0"/>
                       </a:endParaRPr>
                     </a:p>
                   </a:txBody>
@@ -9364,8 +10204,9 @@
                     <a:p>
                       <a:r>
                         <a:rPr lang="ru-RU" sz="2400" dirty="0" smtClean="0">
-                          <a:latin typeface="Times New Roman" panose="02020603050405020304" pitchFamily="18" charset="0"/>
-                          <a:cs typeface="Times New Roman" panose="02020603050405020304" pitchFamily="18" charset="0"/>
+                          <a:latin typeface="Calibri" panose="020F0502020204030204" pitchFamily="34" charset="0"/>
+                          <a:ea typeface="Calibri" panose="020F0502020204030204" pitchFamily="34" charset="0"/>
+                          <a:cs typeface="Calibri" panose="020F0502020204030204" pitchFamily="34" charset="0"/>
                         </a:rPr>
                         <a:t>Данные заказа</a:t>
                       </a:r>
@@ -9373,14 +10214,16 @@
                     <a:p>
                       <a:r>
                         <a:rPr lang="ru-RU" sz="2400" dirty="0" smtClean="0">
-                          <a:latin typeface="Times New Roman" panose="02020603050405020304" pitchFamily="18" charset="0"/>
-                          <a:cs typeface="Times New Roman" panose="02020603050405020304" pitchFamily="18" charset="0"/>
+                          <a:latin typeface="Calibri" panose="020F0502020204030204" pitchFamily="34" charset="0"/>
+                          <a:ea typeface="Calibri" panose="020F0502020204030204" pitchFamily="34" charset="0"/>
+                          <a:cs typeface="Calibri" panose="020F0502020204030204" pitchFamily="34" charset="0"/>
                         </a:rPr>
                         <a:t>Статус предоплаты и оплаты</a:t>
                       </a:r>
                       <a:endParaRPr lang="ru-RU" sz="2400" dirty="0">
-                        <a:latin typeface="Times New Roman" panose="02020603050405020304" pitchFamily="18" charset="0"/>
-                        <a:cs typeface="Times New Roman" panose="02020603050405020304" pitchFamily="18" charset="0"/>
+                        <a:latin typeface="Calibri" panose="020F0502020204030204" pitchFamily="34" charset="0"/>
+                        <a:ea typeface="Calibri" panose="020F0502020204030204" pitchFamily="34" charset="0"/>
+                        <a:cs typeface="Calibri" panose="020F0502020204030204" pitchFamily="34" charset="0"/>
                       </a:endParaRPr>
                     </a:p>
                   </a:txBody>
@@ -9400,14 +10243,16 @@
                     <a:p>
                       <a:r>
                         <a:rPr lang="ru-RU" sz="2400" dirty="0" smtClean="0">
-                          <a:latin typeface="Times New Roman" panose="02020603050405020304" pitchFamily="18" charset="0"/>
-                          <a:cs typeface="Times New Roman" panose="02020603050405020304" pitchFamily="18" charset="0"/>
+                          <a:latin typeface="Calibri" panose="020F0502020204030204" pitchFamily="34" charset="0"/>
+                          <a:ea typeface="Calibri" panose="020F0502020204030204" pitchFamily="34" charset="0"/>
+                          <a:cs typeface="Calibri" panose="020F0502020204030204" pitchFamily="34" charset="0"/>
                         </a:rPr>
                         <a:t>Поставщик</a:t>
                       </a:r>
                       <a:endParaRPr lang="ru-RU" sz="2400" dirty="0">
-                        <a:latin typeface="Times New Roman" panose="02020603050405020304" pitchFamily="18" charset="0"/>
-                        <a:cs typeface="Times New Roman" panose="02020603050405020304" pitchFamily="18" charset="0"/>
+                        <a:latin typeface="Calibri" panose="020F0502020204030204" pitchFamily="34" charset="0"/>
+                        <a:ea typeface="Calibri" panose="020F0502020204030204" pitchFamily="34" charset="0"/>
+                        <a:cs typeface="Calibri" panose="020F0502020204030204" pitchFamily="34" charset="0"/>
                       </a:endParaRPr>
                     </a:p>
                   </a:txBody>
@@ -9420,8 +10265,9 @@
                     <a:p>
                       <a:r>
                         <a:rPr lang="ru-RU" sz="2400" dirty="0" smtClean="0">
-                          <a:latin typeface="Times New Roman" panose="02020603050405020304" pitchFamily="18" charset="0"/>
-                          <a:cs typeface="Times New Roman" panose="02020603050405020304" pitchFamily="18" charset="0"/>
+                          <a:latin typeface="Calibri" panose="020F0502020204030204" pitchFamily="34" charset="0"/>
+                          <a:ea typeface="Calibri" panose="020F0502020204030204" pitchFamily="34" charset="0"/>
+                          <a:cs typeface="Calibri" panose="020F0502020204030204" pitchFamily="34" charset="0"/>
                         </a:rPr>
                         <a:t>Договор для поставщика</a:t>
                       </a:r>
@@ -9429,14 +10275,16 @@
                     <a:p>
                       <a:r>
                         <a:rPr lang="ru-RU" sz="2400" dirty="0" smtClean="0">
-                          <a:latin typeface="Times New Roman" panose="02020603050405020304" pitchFamily="18" charset="0"/>
-                          <a:cs typeface="Times New Roman" panose="02020603050405020304" pitchFamily="18" charset="0"/>
+                          <a:latin typeface="Calibri" panose="020F0502020204030204" pitchFamily="34" charset="0"/>
+                          <a:ea typeface="Calibri" panose="020F0502020204030204" pitchFamily="34" charset="0"/>
+                          <a:cs typeface="Calibri" panose="020F0502020204030204" pitchFamily="34" charset="0"/>
                         </a:rPr>
                         <a:t>Данные для закупки</a:t>
                       </a:r>
                       <a:endParaRPr lang="ru-RU" sz="2400" dirty="0">
-                        <a:latin typeface="Times New Roman" panose="02020603050405020304" pitchFamily="18" charset="0"/>
-                        <a:cs typeface="Times New Roman" panose="02020603050405020304" pitchFamily="18" charset="0"/>
+                        <a:latin typeface="Calibri" panose="020F0502020204030204" pitchFamily="34" charset="0"/>
+                        <a:ea typeface="Calibri" panose="020F0502020204030204" pitchFamily="34" charset="0"/>
+                        <a:cs typeface="Calibri" panose="020F0502020204030204" pitchFamily="34" charset="0"/>
                       </a:endParaRPr>
                     </a:p>
                   </a:txBody>
@@ -9449,8 +10297,9 @@
                     <a:p>
                       <a:r>
                         <a:rPr lang="ru-RU" sz="2400" dirty="0" smtClean="0">
-                          <a:latin typeface="Times New Roman" panose="02020603050405020304" pitchFamily="18" charset="0"/>
-                          <a:cs typeface="Times New Roman" panose="02020603050405020304" pitchFamily="18" charset="0"/>
+                          <a:latin typeface="Calibri" panose="020F0502020204030204" pitchFamily="34" charset="0"/>
+                          <a:ea typeface="Calibri" panose="020F0502020204030204" pitchFamily="34" charset="0"/>
+                          <a:cs typeface="Calibri" panose="020F0502020204030204" pitchFamily="34" charset="0"/>
                         </a:rPr>
                         <a:t>Счет за закупку</a:t>
                       </a:r>
@@ -9458,14 +10307,16 @@
                     <a:p>
                       <a:r>
                         <a:rPr lang="ru-RU" sz="2400" dirty="0" smtClean="0">
-                          <a:latin typeface="Times New Roman" panose="02020603050405020304" pitchFamily="18" charset="0"/>
-                          <a:cs typeface="Times New Roman" panose="02020603050405020304" pitchFamily="18" charset="0"/>
+                          <a:latin typeface="Calibri" panose="020F0502020204030204" pitchFamily="34" charset="0"/>
+                          <a:ea typeface="Calibri" panose="020F0502020204030204" pitchFamily="34" charset="0"/>
+                          <a:cs typeface="Calibri" panose="020F0502020204030204" pitchFamily="34" charset="0"/>
                         </a:rPr>
                         <a:t>Статус закупки</a:t>
                       </a:r>
                       <a:endParaRPr lang="ru-RU" sz="2400" dirty="0">
-                        <a:latin typeface="Times New Roman" panose="02020603050405020304" pitchFamily="18" charset="0"/>
-                        <a:cs typeface="Times New Roman" panose="02020603050405020304" pitchFamily="18" charset="0"/>
+                        <a:latin typeface="Calibri" panose="020F0502020204030204" pitchFamily="34" charset="0"/>
+                        <a:ea typeface="Calibri" panose="020F0502020204030204" pitchFamily="34" charset="0"/>
+                        <a:cs typeface="Calibri" panose="020F0502020204030204" pitchFamily="34" charset="0"/>
                       </a:endParaRPr>
                     </a:p>
                   </a:txBody>
@@ -9481,6 +10332,29 @@
           </a:graphicData>
         </a:graphic>
       </p:graphicFrame>
+      <p:sp>
+        <p:nvSpPr>
+          <p:cNvPr id="5" name="Номер слайда 4"/>
+          <p:cNvSpPr>
+            <a:spLocks noGrp="1"/>
+          </p:cNvSpPr>
+          <p:nvPr>
+            <p:ph type="sldNum" sz="quarter" idx="12"/>
+          </p:nvPr>
+        </p:nvSpPr>
+        <p:spPr/>
+        <p:txBody>
+          <a:bodyPr/>
+          <a:lstStyle/>
+          <a:p>
+            <a:fld id="{98971110-AEE3-45BB-A537-DF96A19A7D14}" type="slidenum">
+              <a:rPr lang="ru-RU" smtClean="0"/>
+              <a:t>8</a:t>
+            </a:fld>
+            <a:endParaRPr lang="ru-RU"/>
+          </a:p>
+        </p:txBody>
+      </p:sp>
     </p:spTree>
     <p:extLst>
       <p:ext uri="{BB962C8B-B14F-4D97-AF65-F5344CB8AC3E}">
@@ -9520,7 +10394,7 @@
       </p:grpSpPr>
       <p:pic>
         <p:nvPicPr>
-          <p:cNvPr id="5" name="Рисунок 4"/>
+          <p:cNvPr id="4" name="Рисунок 3"/>
           <p:cNvPicPr>
             <a:picLocks noChangeAspect="1"/>
           </p:cNvPicPr>
@@ -9548,6 +10422,42 @@
           </a:prstGeom>
         </p:spPr>
       </p:pic>
+      <p:sp>
+        <p:nvSpPr>
+          <p:cNvPr id="3" name="Номер слайда 2"/>
+          <p:cNvSpPr>
+            <a:spLocks noGrp="1"/>
+          </p:cNvSpPr>
+          <p:nvPr>
+            <p:ph type="sldNum" sz="quarter" idx="12"/>
+          </p:nvPr>
+        </p:nvSpPr>
+        <p:spPr>
+          <a:xfrm>
+            <a:off x="11353801" y="207806"/>
+            <a:ext cx="838199" cy="767687"/>
+          </a:xfrm>
+        </p:spPr>
+        <p:txBody>
+          <a:bodyPr/>
+          <a:lstStyle/>
+          <a:p>
+            <a:fld id="{98971110-AEE3-45BB-A537-DF96A19A7D14}" type="slidenum">
+              <a:rPr lang="ru-RU" smtClean="0">
+                <a:solidFill>
+                  <a:schemeClr val="bg1"/>
+                </a:solidFill>
+              </a:rPr>
+              <a:t>9</a:t>
+            </a:fld>
+            <a:endParaRPr lang="ru-RU" dirty="0">
+              <a:solidFill>
+                <a:schemeClr val="bg1"/>
+              </a:solidFill>
+            </a:endParaRPr>
+          </a:p>
+        </p:txBody>
+      </p:sp>
     </p:spTree>
     <p:extLst>
       <p:ext uri="{BB962C8B-B14F-4D97-AF65-F5344CB8AC3E}">
@@ -9832,4 +10742,265 @@
     </a:ext>
   </a:extLst>
 </a:theme>
+</file>
+
+<file path=ppt/theme/theme2.xml><?xml version="1.0" encoding="utf-8"?>
+<a:theme xmlns:a="http://schemas.openxmlformats.org/drawingml/2006/main" name="Тема Office">
+  <a:themeElements>
+    <a:clrScheme name="Стандартная">
+      <a:dk1>
+        <a:sysClr val="windowText" lastClr="000000"/>
+      </a:dk1>
+      <a:lt1>
+        <a:sysClr val="window" lastClr="FFFFFF"/>
+      </a:lt1>
+      <a:dk2>
+        <a:srgbClr val="44546A"/>
+      </a:dk2>
+      <a:lt2>
+        <a:srgbClr val="E7E6E6"/>
+      </a:lt2>
+      <a:accent1>
+        <a:srgbClr val="5B9BD5"/>
+      </a:accent1>
+      <a:accent2>
+        <a:srgbClr val="ED7D31"/>
+      </a:accent2>
+      <a:accent3>
+        <a:srgbClr val="A5A5A5"/>
+      </a:accent3>
+      <a:accent4>
+        <a:srgbClr val="FFC000"/>
+      </a:accent4>
+      <a:accent5>
+        <a:srgbClr val="4472C4"/>
+      </a:accent5>
+      <a:accent6>
+        <a:srgbClr val="70AD47"/>
+      </a:accent6>
+      <a:hlink>
+        <a:srgbClr val="0563C1"/>
+      </a:hlink>
+      <a:folHlink>
+        <a:srgbClr val="954F72"/>
+      </a:folHlink>
+    </a:clrScheme>
+    <a:fontScheme name="Стандартная">
+      <a:majorFont>
+        <a:latin typeface="Calibri Light" panose="020F0302020204030204"/>
+        <a:ea typeface=""/>
+        <a:cs typeface=""/>
+        <a:font script="Jpan" typeface="游ゴシック Light"/>
+        <a:font script="Hang" typeface="맑은 고딕"/>
+        <a:font script="Hans" typeface="等线 Light"/>
+        <a:font script="Hant" typeface="新細明體"/>
+        <a:font script="Arab" typeface="Times New Roman"/>
+        <a:font script="Hebr" typeface="Times New Roman"/>
+        <a:font script="Thai" typeface="Angsana New"/>
+        <a:font script="Ethi" typeface="Nyala"/>
+        <a:font script="Beng" typeface="Vrinda"/>
+        <a:font script="Gujr" typeface="Shruti"/>
+        <a:font script="Khmr" typeface="MoolBoran"/>
+        <a:font script="Knda" typeface="Tunga"/>
+        <a:font script="Guru" typeface="Raavi"/>
+        <a:font script="Cans" typeface="Euphemia"/>
+        <a:font script="Cher" typeface="Plantagenet Cherokee"/>
+        <a:font script="Yiii" typeface="Microsoft Yi Baiti"/>
+        <a:font script="Tibt" typeface="Microsoft Himalaya"/>
+        <a:font script="Thaa" typeface="MV Boli"/>
+        <a:font script="Deva" typeface="Mangal"/>
+        <a:font script="Telu" typeface="Gautami"/>
+        <a:font script="Taml" typeface="Latha"/>
+        <a:font script="Syrc" typeface="Estrangelo Edessa"/>
+        <a:font script="Orya" typeface="Kalinga"/>
+        <a:font script="Mlym" typeface="Kartika"/>
+        <a:font script="Laoo" typeface="DokChampa"/>
+        <a:font script="Sinh" typeface="Iskoola Pota"/>
+        <a:font script="Mong" typeface="Mongolian Baiti"/>
+        <a:font script="Viet" typeface="Times New Roman"/>
+        <a:font script="Uigh" typeface="Microsoft Uighur"/>
+        <a:font script="Geor" typeface="Sylfaen"/>
+      </a:majorFont>
+      <a:minorFont>
+        <a:latin typeface="Calibri" panose="020F0502020204030204"/>
+        <a:ea typeface=""/>
+        <a:cs typeface=""/>
+        <a:font script="Jpan" typeface="游ゴシック"/>
+        <a:font script="Hang" typeface="맑은 고딕"/>
+        <a:font script="Hans" typeface="等线"/>
+        <a:font script="Hant" typeface="新細明體"/>
+        <a:font script="Arab" typeface="Arial"/>
+        <a:font script="Hebr" typeface="Arial"/>
+        <a:font script="Thai" typeface="Cordia New"/>
+        <a:font script="Ethi" typeface="Nyala"/>
+        <a:font script="Beng" typeface="Vrinda"/>
+        <a:font script="Gujr" typeface="Shruti"/>
+        <a:font script="Khmr" typeface="DaunPenh"/>
+        <a:font script="Knda" typeface="Tunga"/>
+        <a:font script="Guru" typeface="Raavi"/>
+        <a:font script="Cans" typeface="Euphemia"/>
+        <a:font script="Cher" typeface="Plantagenet Cherokee"/>
+        <a:font script="Yiii" typeface="Microsoft Yi Baiti"/>
+        <a:font script="Tibt" typeface="Microsoft Himalaya"/>
+        <a:font script="Thaa" typeface="MV Boli"/>
+        <a:font script="Deva" typeface="Mangal"/>
+        <a:font script="Telu" typeface="Gautami"/>
+        <a:font script="Taml" typeface="Latha"/>
+        <a:font script="Syrc" typeface="Estrangelo Edessa"/>
+        <a:font script="Orya" typeface="Kalinga"/>
+        <a:font script="Mlym" typeface="Kartika"/>
+        <a:font script="Laoo" typeface="DokChampa"/>
+        <a:font script="Sinh" typeface="Iskoola Pota"/>
+        <a:font script="Mong" typeface="Mongolian Baiti"/>
+        <a:font script="Viet" typeface="Arial"/>
+        <a:font script="Uigh" typeface="Microsoft Uighur"/>
+        <a:font script="Geor" typeface="Sylfaen"/>
+      </a:minorFont>
+    </a:fontScheme>
+    <a:fmtScheme name="Стандартная">
+      <a:fillStyleLst>
+        <a:solidFill>
+          <a:schemeClr val="phClr"/>
+        </a:solidFill>
+        <a:gradFill rotWithShape="1">
+          <a:gsLst>
+            <a:gs pos="0">
+              <a:schemeClr val="phClr">
+                <a:lumMod val="110000"/>
+                <a:satMod val="105000"/>
+                <a:tint val="67000"/>
+              </a:schemeClr>
+            </a:gs>
+            <a:gs pos="50000">
+              <a:schemeClr val="phClr">
+                <a:lumMod val="105000"/>
+                <a:satMod val="103000"/>
+                <a:tint val="73000"/>
+              </a:schemeClr>
+            </a:gs>
+            <a:gs pos="100000">
+              <a:schemeClr val="phClr">
+                <a:lumMod val="105000"/>
+                <a:satMod val="109000"/>
+                <a:tint val="81000"/>
+              </a:schemeClr>
+            </a:gs>
+          </a:gsLst>
+          <a:lin ang="5400000" scaled="0"/>
+        </a:gradFill>
+        <a:gradFill rotWithShape="1">
+          <a:gsLst>
+            <a:gs pos="0">
+              <a:schemeClr val="phClr">
+                <a:satMod val="103000"/>
+                <a:lumMod val="102000"/>
+                <a:tint val="94000"/>
+              </a:schemeClr>
+            </a:gs>
+            <a:gs pos="50000">
+              <a:schemeClr val="phClr">
+                <a:satMod val="110000"/>
+                <a:lumMod val="100000"/>
+                <a:shade val="100000"/>
+              </a:schemeClr>
+            </a:gs>
+            <a:gs pos="100000">
+              <a:schemeClr val="phClr">
+                <a:lumMod val="99000"/>
+                <a:satMod val="120000"/>
+                <a:shade val="78000"/>
+              </a:schemeClr>
+            </a:gs>
+          </a:gsLst>
+          <a:lin ang="5400000" scaled="0"/>
+        </a:gradFill>
+      </a:fillStyleLst>
+      <a:lnStyleLst>
+        <a:ln w="6350" cap="flat" cmpd="sng" algn="ctr">
+          <a:solidFill>
+            <a:schemeClr val="phClr"/>
+          </a:solidFill>
+          <a:prstDash val="solid"/>
+          <a:miter lim="800000"/>
+        </a:ln>
+        <a:ln w="12700" cap="flat" cmpd="sng" algn="ctr">
+          <a:solidFill>
+            <a:schemeClr val="phClr"/>
+          </a:solidFill>
+          <a:prstDash val="solid"/>
+          <a:miter lim="800000"/>
+        </a:ln>
+        <a:ln w="19050" cap="flat" cmpd="sng" algn="ctr">
+          <a:solidFill>
+            <a:schemeClr val="phClr"/>
+          </a:solidFill>
+          <a:prstDash val="solid"/>
+          <a:miter lim="800000"/>
+        </a:ln>
+      </a:lnStyleLst>
+      <a:effectStyleLst>
+        <a:effectStyle>
+          <a:effectLst/>
+        </a:effectStyle>
+        <a:effectStyle>
+          <a:effectLst/>
+        </a:effectStyle>
+        <a:effectStyle>
+          <a:effectLst>
+            <a:outerShdw blurRad="57150" dist="19050" dir="5400000" algn="ctr" rotWithShape="0">
+              <a:srgbClr val="000000">
+                <a:alpha val="63000"/>
+              </a:srgbClr>
+            </a:outerShdw>
+          </a:effectLst>
+        </a:effectStyle>
+      </a:effectStyleLst>
+      <a:bgFillStyleLst>
+        <a:solidFill>
+          <a:schemeClr val="phClr"/>
+        </a:solidFill>
+        <a:solidFill>
+          <a:schemeClr val="phClr">
+            <a:tint val="95000"/>
+            <a:satMod val="170000"/>
+          </a:schemeClr>
+        </a:solidFill>
+        <a:gradFill rotWithShape="1">
+          <a:gsLst>
+            <a:gs pos="0">
+              <a:schemeClr val="phClr">
+                <a:tint val="93000"/>
+                <a:satMod val="150000"/>
+                <a:shade val="98000"/>
+                <a:lumMod val="102000"/>
+              </a:schemeClr>
+            </a:gs>
+            <a:gs pos="50000">
+              <a:schemeClr val="phClr">
+                <a:tint val="98000"/>
+                <a:satMod val="130000"/>
+                <a:shade val="90000"/>
+                <a:lumMod val="103000"/>
+              </a:schemeClr>
+            </a:gs>
+            <a:gs pos="100000">
+              <a:schemeClr val="phClr">
+                <a:shade val="63000"/>
+                <a:satMod val="120000"/>
+              </a:schemeClr>
+            </a:gs>
+          </a:gsLst>
+          <a:lin ang="5400000" scaled="0"/>
+        </a:gradFill>
+      </a:bgFillStyleLst>
+    </a:fmtScheme>
+  </a:themeElements>
+  <a:objectDefaults/>
+  <a:extraClrSchemeLst/>
+  <a:extLst>
+    <a:ext uri="{05A4C25C-085E-4340-85A3-A5531E510DB2}">
+      <thm15:themeFamily xmlns:thm15="http://schemas.microsoft.com/office/thememl/2012/main" name="Office Theme" id="{62F939B6-93AF-4DB8-9C6B-D6C7DFDC589F}" vid="{4A3C46E8-61CC-4603-A589-7422A47A8E4A}"/>
+    </a:ext>
+  </a:extLst>
+</a:theme>
 </file>